--- a/Лекция 2 - методы класса.pptx
+++ b/Лекция 2 - методы класса.pptx
@@ -5,7 +5,7 @@
     <p:sldMasterId id="2147483648" r:id="rId1"/>
   </p:sldMasterIdLst>
   <p:notesMasterIdLst>
-    <p:notesMasterId r:id="rId19"/>
+    <p:notesMasterId r:id="rId18"/>
   </p:notesMasterIdLst>
   <p:sldIdLst>
     <p:sldId id="256" r:id="rId2"/>
@@ -21,10 +21,9 @@
     <p:sldId id="284" r:id="rId12"/>
     <p:sldId id="285" r:id="rId13"/>
     <p:sldId id="264" r:id="rId14"/>
-    <p:sldId id="266" r:id="rId15"/>
-    <p:sldId id="263" r:id="rId16"/>
-    <p:sldId id="267" r:id="rId17"/>
-    <p:sldId id="268" r:id="rId18"/>
+    <p:sldId id="263" r:id="rId15"/>
+    <p:sldId id="267" r:id="rId16"/>
+    <p:sldId id="268" r:id="rId17"/>
   </p:sldIdLst>
   <p:sldSz cx="9144000" cy="6858000" type="screen4x3"/>
   <p:notesSz cx="6858000" cy="9144000"/>
@@ -123,6 +122,22 @@
       </a:defRPr>
     </a:lvl9pPr>
   </p:defaultTextStyle>
+  <p:extLst>
+    <p:ext uri="{EFAFB233-063F-42B5-8137-9DF3F51BA10A}">
+      <p15:sldGuideLst xmlns:p15="http://schemas.microsoft.com/office/powerpoint/2012/main">
+        <p15:guide id="1" orient="horz" pos="2160">
+          <p15:clr>
+            <a:srgbClr val="A4A3A4"/>
+          </p15:clr>
+        </p15:guide>
+        <p15:guide id="2" pos="2880">
+          <p15:clr>
+            <a:srgbClr val="A4A3A4"/>
+          </p15:clr>
+        </p15:guide>
+      </p15:sldGuideLst>
+    </p:ext>
+  </p:extLst>
 </p:presentation>
 </file>
 
@@ -209,7 +224,7 @@
             <a:fld id="{76B1812A-C600-4D30-8012-B41B004183AC}" type="datetimeFigureOut">
               <a:rPr lang="ru-RU" smtClean="0"/>
               <a:pPr/>
-              <a:t>06.09.2017</a:t>
+              <a:t>03.02.2024</a:t>
             </a:fld>
             <a:endParaRPr lang="ru-RU"/>
           </a:p>
@@ -275,38 +290,37 @@
           <a:p>
             <a:pPr lvl="0"/>
             <a:r>
-              <a:rPr lang="ru-RU" smtClean="0"/>
+              <a:rPr lang="ru-RU"/>
               <a:t>Образец текста</a:t>
             </a:r>
           </a:p>
           <a:p>
             <a:pPr lvl="1"/>
             <a:r>
-              <a:rPr lang="ru-RU" smtClean="0"/>
+              <a:rPr lang="ru-RU"/>
               <a:t>Второй уровень</a:t>
             </a:r>
           </a:p>
           <a:p>
             <a:pPr lvl="2"/>
             <a:r>
-              <a:rPr lang="ru-RU" smtClean="0"/>
+              <a:rPr lang="ru-RU"/>
               <a:t>Третий уровень</a:t>
             </a:r>
           </a:p>
           <a:p>
             <a:pPr lvl="3"/>
             <a:r>
-              <a:rPr lang="ru-RU" smtClean="0"/>
+              <a:rPr lang="ru-RU"/>
               <a:t>Четвертый уровень</a:t>
             </a:r>
           </a:p>
           <a:p>
             <a:pPr lvl="4"/>
             <a:r>
-              <a:rPr lang="ru-RU" smtClean="0"/>
+              <a:rPr lang="ru-RU"/>
               <a:t>Пятый уровень</a:t>
             </a:r>
-            <a:endParaRPr lang="ru-RU"/>
           </a:p>
         </p:txBody>
       </p:sp>
@@ -513,10 +527,9 @@
           <a:lstStyle/>
           <a:p>
             <a:r>
-              <a:rPr lang="ru-RU" smtClean="0"/>
+              <a:rPr lang="ru-RU"/>
               <a:t>Образец заголовка</a:t>
             </a:r>
-            <a:endParaRPr lang="ru-RU"/>
           </a:p>
         </p:txBody>
       </p:sp>
@@ -632,10 +645,9 @@
           </a:lstStyle>
           <a:p>
             <a:r>
-              <a:rPr lang="ru-RU" smtClean="0"/>
+              <a:rPr lang="ru-RU"/>
               <a:t>Образец подзаголовка</a:t>
             </a:r>
-            <a:endParaRPr lang="ru-RU"/>
           </a:p>
         </p:txBody>
       </p:sp>
@@ -657,7 +669,7 @@
             <a:fld id="{7203E45B-3999-416B-A066-40C04556FA27}" type="datetime1">
               <a:rPr lang="ru-RU" smtClean="0"/>
               <a:pPr/>
-              <a:t>06.09.2017</a:t>
+              <a:t>03.02.2024</a:t>
             </a:fld>
             <a:endParaRPr lang="ru-RU"/>
           </a:p>
@@ -747,10 +759,9 @@
           <a:lstStyle/>
           <a:p>
             <a:r>
-              <a:rPr lang="ru-RU" smtClean="0"/>
+              <a:rPr lang="ru-RU"/>
               <a:t>Образец заголовка</a:t>
             </a:r>
-            <a:endParaRPr lang="ru-RU"/>
           </a:p>
         </p:txBody>
       </p:sp>
@@ -771,38 +782,37 @@
           <a:p>
             <a:pPr lvl="0"/>
             <a:r>
-              <a:rPr lang="ru-RU" smtClean="0"/>
+              <a:rPr lang="ru-RU"/>
               <a:t>Образец текста</a:t>
             </a:r>
           </a:p>
           <a:p>
             <a:pPr lvl="1"/>
             <a:r>
-              <a:rPr lang="ru-RU" smtClean="0"/>
+              <a:rPr lang="ru-RU"/>
               <a:t>Второй уровень</a:t>
             </a:r>
           </a:p>
           <a:p>
             <a:pPr lvl="2"/>
             <a:r>
-              <a:rPr lang="ru-RU" smtClean="0"/>
+              <a:rPr lang="ru-RU"/>
               <a:t>Третий уровень</a:t>
             </a:r>
           </a:p>
           <a:p>
             <a:pPr lvl="3"/>
             <a:r>
-              <a:rPr lang="ru-RU" smtClean="0"/>
+              <a:rPr lang="ru-RU"/>
               <a:t>Четвертый уровень</a:t>
             </a:r>
           </a:p>
           <a:p>
             <a:pPr lvl="4"/>
             <a:r>
-              <a:rPr lang="ru-RU" smtClean="0"/>
+              <a:rPr lang="ru-RU"/>
               <a:t>Пятый уровень</a:t>
             </a:r>
-            <a:endParaRPr lang="ru-RU"/>
           </a:p>
         </p:txBody>
       </p:sp>
@@ -824,7 +834,7 @@
             <a:fld id="{6D018C10-BC72-4756-84DE-D4DE69C591FD}" type="datetime1">
               <a:rPr lang="ru-RU" smtClean="0"/>
               <a:pPr/>
-              <a:t>06.09.2017</a:t>
+              <a:t>03.02.2024</a:t>
             </a:fld>
             <a:endParaRPr lang="ru-RU"/>
           </a:p>
@@ -919,10 +929,9 @@
           <a:lstStyle/>
           <a:p>
             <a:r>
-              <a:rPr lang="ru-RU" smtClean="0"/>
+              <a:rPr lang="ru-RU"/>
               <a:t>Образец заголовка</a:t>
             </a:r>
-            <a:endParaRPr lang="ru-RU"/>
           </a:p>
         </p:txBody>
       </p:sp>
@@ -948,38 +957,37 @@
           <a:p>
             <a:pPr lvl="0"/>
             <a:r>
-              <a:rPr lang="ru-RU" smtClean="0"/>
+              <a:rPr lang="ru-RU"/>
               <a:t>Образец текста</a:t>
             </a:r>
           </a:p>
           <a:p>
             <a:pPr lvl="1"/>
             <a:r>
-              <a:rPr lang="ru-RU" smtClean="0"/>
+              <a:rPr lang="ru-RU"/>
               <a:t>Второй уровень</a:t>
             </a:r>
           </a:p>
           <a:p>
             <a:pPr lvl="2"/>
             <a:r>
-              <a:rPr lang="ru-RU" smtClean="0"/>
+              <a:rPr lang="ru-RU"/>
               <a:t>Третий уровень</a:t>
             </a:r>
           </a:p>
           <a:p>
             <a:pPr lvl="3"/>
             <a:r>
-              <a:rPr lang="ru-RU" smtClean="0"/>
+              <a:rPr lang="ru-RU"/>
               <a:t>Четвертый уровень</a:t>
             </a:r>
           </a:p>
           <a:p>
             <a:pPr lvl="4"/>
             <a:r>
-              <a:rPr lang="ru-RU" smtClean="0"/>
+              <a:rPr lang="ru-RU"/>
               <a:t>Пятый уровень</a:t>
             </a:r>
-            <a:endParaRPr lang="ru-RU"/>
           </a:p>
         </p:txBody>
       </p:sp>
@@ -1001,7 +1009,7 @@
             <a:fld id="{9A5212E8-8E4A-4C57-96D7-38B74A272649}" type="datetime1">
               <a:rPr lang="ru-RU" smtClean="0"/>
               <a:pPr/>
-              <a:t>06.09.2017</a:t>
+              <a:t>03.02.2024</a:t>
             </a:fld>
             <a:endParaRPr lang="ru-RU"/>
           </a:p>
@@ -1091,10 +1099,9 @@
           <a:lstStyle/>
           <a:p>
             <a:r>
-              <a:rPr lang="ru-RU" smtClean="0"/>
+              <a:rPr lang="ru-RU"/>
               <a:t>Образец заголовка</a:t>
             </a:r>
-            <a:endParaRPr lang="ru-RU"/>
           </a:p>
         </p:txBody>
       </p:sp>
@@ -1115,38 +1122,37 @@
           <a:p>
             <a:pPr lvl="0"/>
             <a:r>
-              <a:rPr lang="ru-RU" smtClean="0"/>
+              <a:rPr lang="ru-RU"/>
               <a:t>Образец текста</a:t>
             </a:r>
           </a:p>
           <a:p>
             <a:pPr lvl="1"/>
             <a:r>
-              <a:rPr lang="ru-RU" smtClean="0"/>
+              <a:rPr lang="ru-RU"/>
               <a:t>Второй уровень</a:t>
             </a:r>
           </a:p>
           <a:p>
             <a:pPr lvl="2"/>
             <a:r>
-              <a:rPr lang="ru-RU" smtClean="0"/>
+              <a:rPr lang="ru-RU"/>
               <a:t>Третий уровень</a:t>
             </a:r>
           </a:p>
           <a:p>
             <a:pPr lvl="3"/>
             <a:r>
-              <a:rPr lang="ru-RU" smtClean="0"/>
+              <a:rPr lang="ru-RU"/>
               <a:t>Четвертый уровень</a:t>
             </a:r>
           </a:p>
           <a:p>
             <a:pPr lvl="4"/>
             <a:r>
-              <a:rPr lang="ru-RU" smtClean="0"/>
+              <a:rPr lang="ru-RU"/>
               <a:t>Пятый уровень</a:t>
             </a:r>
-            <a:endParaRPr lang="ru-RU"/>
           </a:p>
         </p:txBody>
       </p:sp>
@@ -1168,7 +1174,7 @@
             <a:fld id="{1B2B6811-29D3-481A-A0CF-C8F56441E3B5}" type="datetime1">
               <a:rPr lang="ru-RU" smtClean="0"/>
               <a:pPr/>
-              <a:t>06.09.2017</a:t>
+              <a:t>03.02.2024</a:t>
             </a:fld>
             <a:endParaRPr lang="ru-RU"/>
           </a:p>
@@ -1267,10 +1273,9 @@
           </a:lstStyle>
           <a:p>
             <a:r>
-              <a:rPr lang="ru-RU" smtClean="0"/>
+              <a:rPr lang="ru-RU"/>
               <a:t>Образец заголовка</a:t>
             </a:r>
-            <a:endParaRPr lang="ru-RU"/>
           </a:p>
         </p:txBody>
       </p:sp>
@@ -1387,7 +1392,7 @@
           <a:p>
             <a:pPr lvl="0"/>
             <a:r>
-              <a:rPr lang="ru-RU" smtClean="0"/>
+              <a:rPr lang="ru-RU"/>
               <a:t>Образец текста</a:t>
             </a:r>
           </a:p>
@@ -1411,7 +1416,7 @@
             <a:fld id="{799E0B3B-A88F-4724-8950-52A4A604CA76}" type="datetime1">
               <a:rPr lang="ru-RU" smtClean="0"/>
               <a:pPr/>
-              <a:t>06.09.2017</a:t>
+              <a:t>03.02.2024</a:t>
             </a:fld>
             <a:endParaRPr lang="ru-RU"/>
           </a:p>
@@ -1501,10 +1506,9 @@
           <a:lstStyle/>
           <a:p>
             <a:r>
-              <a:rPr lang="ru-RU" smtClean="0"/>
+              <a:rPr lang="ru-RU"/>
               <a:t>Образец заголовка</a:t>
             </a:r>
-            <a:endParaRPr lang="ru-RU"/>
           </a:p>
         </p:txBody>
       </p:sp>
@@ -1558,38 +1562,37 @@
           <a:p>
             <a:pPr lvl="0"/>
             <a:r>
-              <a:rPr lang="ru-RU" smtClean="0"/>
+              <a:rPr lang="ru-RU"/>
               <a:t>Образец текста</a:t>
             </a:r>
           </a:p>
           <a:p>
             <a:pPr lvl="1"/>
             <a:r>
-              <a:rPr lang="ru-RU" smtClean="0"/>
+              <a:rPr lang="ru-RU"/>
               <a:t>Второй уровень</a:t>
             </a:r>
           </a:p>
           <a:p>
             <a:pPr lvl="2"/>
             <a:r>
-              <a:rPr lang="ru-RU" smtClean="0"/>
+              <a:rPr lang="ru-RU"/>
               <a:t>Третий уровень</a:t>
             </a:r>
           </a:p>
           <a:p>
             <a:pPr lvl="3"/>
             <a:r>
-              <a:rPr lang="ru-RU" smtClean="0"/>
+              <a:rPr lang="ru-RU"/>
               <a:t>Четвертый уровень</a:t>
             </a:r>
           </a:p>
           <a:p>
             <a:pPr lvl="4"/>
             <a:r>
-              <a:rPr lang="ru-RU" smtClean="0"/>
+              <a:rPr lang="ru-RU"/>
               <a:t>Пятый уровень</a:t>
             </a:r>
-            <a:endParaRPr lang="ru-RU"/>
           </a:p>
         </p:txBody>
       </p:sp>
@@ -1643,38 +1646,37 @@
           <a:p>
             <a:pPr lvl="0"/>
             <a:r>
-              <a:rPr lang="ru-RU" smtClean="0"/>
+              <a:rPr lang="ru-RU"/>
               <a:t>Образец текста</a:t>
             </a:r>
           </a:p>
           <a:p>
             <a:pPr lvl="1"/>
             <a:r>
-              <a:rPr lang="ru-RU" smtClean="0"/>
+              <a:rPr lang="ru-RU"/>
               <a:t>Второй уровень</a:t>
             </a:r>
           </a:p>
           <a:p>
             <a:pPr lvl="2"/>
             <a:r>
-              <a:rPr lang="ru-RU" smtClean="0"/>
+              <a:rPr lang="ru-RU"/>
               <a:t>Третий уровень</a:t>
             </a:r>
           </a:p>
           <a:p>
             <a:pPr lvl="3"/>
             <a:r>
-              <a:rPr lang="ru-RU" smtClean="0"/>
+              <a:rPr lang="ru-RU"/>
               <a:t>Четвертый уровень</a:t>
             </a:r>
           </a:p>
           <a:p>
             <a:pPr lvl="4"/>
             <a:r>
-              <a:rPr lang="ru-RU" smtClean="0"/>
+              <a:rPr lang="ru-RU"/>
               <a:t>Пятый уровень</a:t>
             </a:r>
-            <a:endParaRPr lang="ru-RU"/>
           </a:p>
         </p:txBody>
       </p:sp>
@@ -1696,7 +1698,7 @@
             <a:fld id="{8D6BF996-3F72-4EC7-847C-17D707510974}" type="datetime1">
               <a:rPr lang="ru-RU" smtClean="0"/>
               <a:pPr/>
-              <a:t>06.09.2017</a:t>
+              <a:t>03.02.2024</a:t>
             </a:fld>
             <a:endParaRPr lang="ru-RU"/>
           </a:p>
@@ -1790,10 +1792,9 @@
           </a:lstStyle>
           <a:p>
             <a:r>
-              <a:rPr lang="ru-RU" smtClean="0"/>
+              <a:rPr lang="ru-RU"/>
               <a:t>Образец заголовка</a:t>
             </a:r>
-            <a:endParaRPr lang="ru-RU"/>
           </a:p>
         </p:txBody>
       </p:sp>
@@ -1856,7 +1857,7 @@
           <a:p>
             <a:pPr lvl="0"/>
             <a:r>
-              <a:rPr lang="ru-RU" smtClean="0"/>
+              <a:rPr lang="ru-RU"/>
               <a:t>Образец текста</a:t>
             </a:r>
           </a:p>
@@ -1912,38 +1913,37 @@
           <a:p>
             <a:pPr lvl="0"/>
             <a:r>
-              <a:rPr lang="ru-RU" smtClean="0"/>
+              <a:rPr lang="ru-RU"/>
               <a:t>Образец текста</a:t>
             </a:r>
           </a:p>
           <a:p>
             <a:pPr lvl="1"/>
             <a:r>
-              <a:rPr lang="ru-RU" smtClean="0"/>
+              <a:rPr lang="ru-RU"/>
               <a:t>Второй уровень</a:t>
             </a:r>
           </a:p>
           <a:p>
             <a:pPr lvl="2"/>
             <a:r>
-              <a:rPr lang="ru-RU" smtClean="0"/>
+              <a:rPr lang="ru-RU"/>
               <a:t>Третий уровень</a:t>
             </a:r>
           </a:p>
           <a:p>
             <a:pPr lvl="3"/>
             <a:r>
-              <a:rPr lang="ru-RU" smtClean="0"/>
+              <a:rPr lang="ru-RU"/>
               <a:t>Четвертый уровень</a:t>
             </a:r>
           </a:p>
           <a:p>
             <a:pPr lvl="4"/>
             <a:r>
-              <a:rPr lang="ru-RU" smtClean="0"/>
+              <a:rPr lang="ru-RU"/>
               <a:t>Пятый уровень</a:t>
             </a:r>
-            <a:endParaRPr lang="ru-RU"/>
           </a:p>
         </p:txBody>
       </p:sp>
@@ -2006,7 +2006,7 @@
           <a:p>
             <a:pPr lvl="0"/>
             <a:r>
-              <a:rPr lang="ru-RU" smtClean="0"/>
+              <a:rPr lang="ru-RU"/>
               <a:t>Образец текста</a:t>
             </a:r>
           </a:p>
@@ -2062,38 +2062,37 @@
           <a:p>
             <a:pPr lvl="0"/>
             <a:r>
-              <a:rPr lang="ru-RU" smtClean="0"/>
+              <a:rPr lang="ru-RU"/>
               <a:t>Образец текста</a:t>
             </a:r>
           </a:p>
           <a:p>
             <a:pPr lvl="1"/>
             <a:r>
-              <a:rPr lang="ru-RU" smtClean="0"/>
+              <a:rPr lang="ru-RU"/>
               <a:t>Второй уровень</a:t>
             </a:r>
           </a:p>
           <a:p>
             <a:pPr lvl="2"/>
             <a:r>
-              <a:rPr lang="ru-RU" smtClean="0"/>
+              <a:rPr lang="ru-RU"/>
               <a:t>Третий уровень</a:t>
             </a:r>
           </a:p>
           <a:p>
             <a:pPr lvl="3"/>
             <a:r>
-              <a:rPr lang="ru-RU" smtClean="0"/>
+              <a:rPr lang="ru-RU"/>
               <a:t>Четвертый уровень</a:t>
             </a:r>
           </a:p>
           <a:p>
             <a:pPr lvl="4"/>
             <a:r>
-              <a:rPr lang="ru-RU" smtClean="0"/>
+              <a:rPr lang="ru-RU"/>
               <a:t>Пятый уровень</a:t>
             </a:r>
-            <a:endParaRPr lang="ru-RU"/>
           </a:p>
         </p:txBody>
       </p:sp>
@@ -2115,7 +2114,7 @@
             <a:fld id="{5887655A-329C-48FA-B104-15C409764A9D}" type="datetime1">
               <a:rPr lang="ru-RU" smtClean="0"/>
               <a:pPr/>
-              <a:t>06.09.2017</a:t>
+              <a:t>03.02.2024</a:t>
             </a:fld>
             <a:endParaRPr lang="ru-RU"/>
           </a:p>
@@ -2205,10 +2204,9 @@
           <a:lstStyle/>
           <a:p>
             <a:r>
-              <a:rPr lang="ru-RU" smtClean="0"/>
+              <a:rPr lang="ru-RU"/>
               <a:t>Образец заголовка</a:t>
             </a:r>
-            <a:endParaRPr lang="ru-RU"/>
           </a:p>
         </p:txBody>
       </p:sp>
@@ -2230,7 +2228,7 @@
             <a:fld id="{7390E450-1425-442B-8990-8B67CEAF2265}" type="datetime1">
               <a:rPr lang="ru-RU" smtClean="0"/>
               <a:pPr/>
-              <a:t>06.09.2017</a:t>
+              <a:t>03.02.2024</a:t>
             </a:fld>
             <a:endParaRPr lang="ru-RU"/>
           </a:p>
@@ -2322,7 +2320,7 @@
             <a:fld id="{5B68C23F-DA72-4278-9889-3E2C35F5AF1E}" type="datetime1">
               <a:rPr lang="ru-RU" smtClean="0"/>
               <a:pPr/>
-              <a:t>06.09.2017</a:t>
+              <a:t>03.02.2024</a:t>
             </a:fld>
             <a:endParaRPr lang="ru-RU"/>
           </a:p>
@@ -2421,10 +2419,9 @@
           </a:lstStyle>
           <a:p>
             <a:r>
-              <a:rPr lang="ru-RU" smtClean="0"/>
+              <a:rPr lang="ru-RU"/>
               <a:t>Образец заголовка</a:t>
             </a:r>
-            <a:endParaRPr lang="ru-RU"/>
           </a:p>
         </p:txBody>
       </p:sp>
@@ -2478,38 +2475,37 @@
           <a:p>
             <a:pPr lvl="0"/>
             <a:r>
-              <a:rPr lang="ru-RU" smtClean="0"/>
+              <a:rPr lang="ru-RU"/>
               <a:t>Образец текста</a:t>
             </a:r>
           </a:p>
           <a:p>
             <a:pPr lvl="1"/>
             <a:r>
-              <a:rPr lang="ru-RU" smtClean="0"/>
+              <a:rPr lang="ru-RU"/>
               <a:t>Второй уровень</a:t>
             </a:r>
           </a:p>
           <a:p>
             <a:pPr lvl="2"/>
             <a:r>
-              <a:rPr lang="ru-RU" smtClean="0"/>
+              <a:rPr lang="ru-RU"/>
               <a:t>Третий уровень</a:t>
             </a:r>
           </a:p>
           <a:p>
             <a:pPr lvl="3"/>
             <a:r>
-              <a:rPr lang="ru-RU" smtClean="0"/>
+              <a:rPr lang="ru-RU"/>
               <a:t>Четвертый уровень</a:t>
             </a:r>
           </a:p>
           <a:p>
             <a:pPr lvl="4"/>
             <a:r>
-              <a:rPr lang="ru-RU" smtClean="0"/>
+              <a:rPr lang="ru-RU"/>
               <a:t>Пятый уровень</a:t>
             </a:r>
-            <a:endParaRPr lang="ru-RU"/>
           </a:p>
         </p:txBody>
       </p:sp>
@@ -2572,7 +2568,7 @@
           <a:p>
             <a:pPr lvl="0"/>
             <a:r>
-              <a:rPr lang="ru-RU" smtClean="0"/>
+              <a:rPr lang="ru-RU"/>
               <a:t>Образец текста</a:t>
             </a:r>
           </a:p>
@@ -2596,7 +2592,7 @@
             <a:fld id="{E288DBE8-F82F-4F5E-900F-54B6381AD5E6}" type="datetime1">
               <a:rPr lang="ru-RU" smtClean="0"/>
               <a:pPr/>
-              <a:t>06.09.2017</a:t>
+              <a:t>03.02.2024</a:t>
             </a:fld>
             <a:endParaRPr lang="ru-RU"/>
           </a:p>
@@ -2695,10 +2691,9 @@
           </a:lstStyle>
           <a:p>
             <a:r>
-              <a:rPr lang="ru-RU" smtClean="0"/>
+              <a:rPr lang="ru-RU"/>
               <a:t>Образец заголовка</a:t>
             </a:r>
-            <a:endParaRPr lang="ru-RU"/>
           </a:p>
         </p:txBody>
       </p:sp>
@@ -2822,7 +2817,7 @@
           <a:p>
             <a:pPr lvl="0"/>
             <a:r>
-              <a:rPr lang="ru-RU" smtClean="0"/>
+              <a:rPr lang="ru-RU"/>
               <a:t>Образец текста</a:t>
             </a:r>
           </a:p>
@@ -2846,7 +2841,7 @@
             <a:fld id="{6827E123-1BE8-481E-84E1-32B9B438D73F}" type="datetime1">
               <a:rPr lang="ru-RU" smtClean="0"/>
               <a:pPr/>
-              <a:t>06.09.2017</a:t>
+              <a:t>03.02.2024</a:t>
             </a:fld>
             <a:endParaRPr lang="ru-RU"/>
           </a:p>
@@ -2951,10 +2946,9 @@
           <a:lstStyle/>
           <a:p>
             <a:r>
-              <a:rPr lang="ru-RU" smtClean="0"/>
+              <a:rPr lang="ru-RU"/>
               <a:t>Образец заголовка</a:t>
             </a:r>
-            <a:endParaRPr lang="ru-RU"/>
           </a:p>
         </p:txBody>
       </p:sp>
@@ -2985,38 +2979,37 @@
           <a:p>
             <a:pPr lvl="0"/>
             <a:r>
-              <a:rPr lang="ru-RU" smtClean="0"/>
+              <a:rPr lang="ru-RU"/>
               <a:t>Образец текста</a:t>
             </a:r>
           </a:p>
           <a:p>
             <a:pPr lvl="1"/>
             <a:r>
-              <a:rPr lang="ru-RU" smtClean="0"/>
+              <a:rPr lang="ru-RU"/>
               <a:t>Второй уровень</a:t>
             </a:r>
           </a:p>
           <a:p>
             <a:pPr lvl="2"/>
             <a:r>
-              <a:rPr lang="ru-RU" smtClean="0"/>
+              <a:rPr lang="ru-RU"/>
               <a:t>Третий уровень</a:t>
             </a:r>
           </a:p>
           <a:p>
             <a:pPr lvl="3"/>
             <a:r>
-              <a:rPr lang="ru-RU" smtClean="0"/>
+              <a:rPr lang="ru-RU"/>
               <a:t>Четвертый уровень</a:t>
             </a:r>
           </a:p>
           <a:p>
             <a:pPr lvl="4"/>
             <a:r>
-              <a:rPr lang="ru-RU" smtClean="0"/>
+              <a:rPr lang="ru-RU"/>
               <a:t>Пятый уровень</a:t>
             </a:r>
-            <a:endParaRPr lang="ru-RU"/>
           </a:p>
         </p:txBody>
       </p:sp>
@@ -3056,7 +3049,7 @@
             <a:fld id="{F8061122-B6A1-4B33-AF72-61BC8184ECED}" type="datetime1">
               <a:rPr lang="ru-RU" smtClean="0"/>
               <a:pPr/>
-              <a:t>06.09.2017</a:t>
+              <a:t>03.02.2024</a:t>
             </a:fld>
             <a:endParaRPr lang="ru-RU"/>
           </a:p>
@@ -3444,10 +3437,9 @@
           <a:lstStyle/>
           <a:p>
             <a:r>
-              <a:rPr lang="ru-RU" dirty="0" smtClean="0"/>
+              <a:rPr lang="ru-RU" dirty="0"/>
               <a:t>Лекция 2</a:t>
             </a:r>
-            <a:endParaRPr lang="ru-RU" dirty="0"/>
           </a:p>
         </p:txBody>
       </p:sp>
@@ -3473,26 +3465,24 @@
           <a:p>
             <a:pPr algn="l"/>
             <a:r>
-              <a:rPr lang="ru-RU" dirty="0" smtClean="0"/>
+              <a:rPr lang="ru-RU" dirty="0"/>
               <a:t>Блок Иван Николаевич</a:t>
             </a:r>
-            <a:endParaRPr lang="en-US" dirty="0" smtClean="0"/>
+            <a:endParaRPr lang="en-US" dirty="0"/>
           </a:p>
           <a:p>
             <a:pPr algn="l"/>
             <a:r>
-              <a:rPr lang="en-US" dirty="0" smtClean="0"/>
+              <a:rPr lang="en-US" dirty="0"/>
               <a:t>sibupk.blok@gmail.com</a:t>
             </a:r>
-            <a:endParaRPr lang="en-US" dirty="0"/>
           </a:p>
           <a:p>
             <a:pPr algn="l"/>
             <a:r>
-              <a:rPr lang="en-US" dirty="0" smtClean="0"/>
+              <a:rPr lang="en-US" dirty="0"/>
               <a:t>VK :    blockin</a:t>
             </a:r>
-            <a:endParaRPr lang="en-US" dirty="0"/>
           </a:p>
         </p:txBody>
       </p:sp>
@@ -3566,18 +3556,17 @@
           <a:lstStyle/>
           <a:p>
             <a:r>
-              <a:rPr lang="ru-RU" dirty="0" smtClean="0"/>
+              <a:rPr lang="ru-RU" dirty="0"/>
               <a:t>Методы</a:t>
             </a:r>
             <a:r>
-              <a:rPr lang="en-US" dirty="0" smtClean="0"/>
+              <a:rPr lang="en-US" dirty="0"/>
               <a:t>. </a:t>
             </a:r>
             <a:r>
-              <a:rPr lang="ru-RU" dirty="0" smtClean="0"/>
+              <a:rPr lang="ru-RU" dirty="0"/>
               <a:t>Примеры объявления.</a:t>
             </a:r>
-            <a:endParaRPr lang="ru-RU" dirty="0"/>
           </a:p>
         </p:txBody>
       </p:sp>
@@ -3607,99 +3596,99 @@
               <a:buNone/>
             </a:pPr>
             <a:r>
-              <a:rPr lang="en-US" dirty="0" smtClean="0"/>
+              <a:rPr lang="en-US" dirty="0"/>
               <a:t>	double </a:t>
             </a:r>
             <a:r>
-              <a:rPr lang="en-US" dirty="0" err="1" smtClean="0"/>
+              <a:rPr lang="en-US" dirty="0" err="1"/>
               <a:t>GetPI</a:t>
             </a:r>
             <a:r>
-              <a:rPr lang="en-US" dirty="0" smtClean="0"/>
+              <a:rPr lang="en-US" dirty="0"/>
               <a:t>()</a:t>
             </a:r>
             <a:r>
-              <a:rPr lang="ru-RU" dirty="0" smtClean="0"/>
+              <a:rPr lang="ru-RU" dirty="0"/>
               <a:t> </a:t>
             </a:r>
             <a:r>
-              <a:rPr lang="en-US" dirty="0" smtClean="0"/>
+              <a:rPr lang="en-US" dirty="0"/>
               <a:t>//</a:t>
             </a:r>
             <a:r>
-              <a:rPr lang="ru-RU" dirty="0" smtClean="0"/>
+              <a:rPr lang="ru-RU" dirty="0"/>
               <a:t> тип результата – </a:t>
             </a:r>
             <a:r>
-              <a:rPr lang="en-US" dirty="0" smtClean="0"/>
+              <a:rPr lang="en-US" dirty="0"/>
               <a:t>double</a:t>
             </a:r>
-            <a:endParaRPr lang="ru-RU" dirty="0" smtClean="0"/>
+            <a:endParaRPr lang="ru-RU" dirty="0"/>
           </a:p>
           <a:p>
             <a:pPr>
               <a:buNone/>
             </a:pPr>
             <a:r>
-              <a:rPr lang="ru-RU" dirty="0" smtClean="0"/>
+              <a:rPr lang="ru-RU" dirty="0"/>
               <a:t>	</a:t>
             </a:r>
             <a:r>
-              <a:rPr lang="en-US" dirty="0" smtClean="0"/>
+              <a:rPr lang="en-US" dirty="0"/>
               <a:t>{  </a:t>
             </a:r>
-            <a:endParaRPr lang="ru-RU" dirty="0" smtClean="0"/>
+            <a:endParaRPr lang="ru-RU" dirty="0"/>
           </a:p>
           <a:p>
             <a:pPr>
               <a:buNone/>
             </a:pPr>
             <a:r>
-              <a:rPr lang="ru-RU" dirty="0" smtClean="0"/>
+              <a:rPr lang="ru-RU" dirty="0"/>
               <a:t>		</a:t>
             </a:r>
             <a:r>
-              <a:rPr lang="en-US" dirty="0" smtClean="0"/>
+              <a:rPr lang="en-US" dirty="0"/>
               <a:t>return 3.14; </a:t>
             </a:r>
-            <a:endParaRPr lang="ru-RU" dirty="0" smtClean="0"/>
+            <a:endParaRPr lang="ru-RU" dirty="0"/>
           </a:p>
           <a:p>
             <a:pPr>
               <a:buNone/>
             </a:pPr>
             <a:r>
-              <a:rPr lang="ru-RU" dirty="0" smtClean="0"/>
+              <a:rPr lang="ru-RU" dirty="0"/>
               <a:t>	</a:t>
             </a:r>
             <a:r>
-              <a:rPr lang="en-US" dirty="0" smtClean="0"/>
+              <a:rPr lang="en-US" dirty="0"/>
               <a:t>}</a:t>
             </a:r>
-            <a:endParaRPr lang="ru-RU" dirty="0" smtClean="0"/>
+            <a:endParaRPr lang="ru-RU" dirty="0"/>
           </a:p>
           <a:p>
             <a:pPr>
               <a:buNone/>
             </a:pPr>
             <a:r>
-              <a:rPr lang="ru-RU" dirty="0" smtClean="0"/>
+              <a:rPr lang="ru-RU" dirty="0"/>
               <a:t>	</a:t>
             </a:r>
             <a:r>
-              <a:rPr lang="en-US" dirty="0" err="1" smtClean="0"/>
+              <a:rPr lang="en-US" dirty="0" err="1"/>
               <a:t>int</a:t>
             </a:r>
             <a:r>
-              <a:rPr lang="en-US" dirty="0" smtClean="0"/>
+              <a:rPr lang="en-US" dirty="0"/>
               <a:t> </a:t>
             </a:r>
             <a:r>
-              <a:rPr lang="en-US" dirty="0" err="1" smtClean="0"/>
+              <a:rPr lang="en-US" dirty="0" err="1"/>
               <a:t>GetArifmeticalProgression</a:t>
             </a:r>
             <a:r>
-              <a:rPr lang="en-US" dirty="0" smtClean="0"/>
+              <a:rPr lang="en-US" dirty="0"/>
               <a:t>()</a:t>
             </a:r>
           </a:p>
@@ -3708,7 +3697,7 @@
               <a:buNone/>
             </a:pPr>
             <a:r>
-              <a:rPr lang="en-US" dirty="0" smtClean="0"/>
+              <a:rPr lang="en-US" dirty="0"/>
               <a:t>	{	</a:t>
             </a:r>
           </a:p>
@@ -3717,15 +3706,15 @@
               <a:buNone/>
             </a:pPr>
             <a:r>
-              <a:rPr lang="en-US" dirty="0" smtClean="0"/>
+              <a:rPr lang="en-US" dirty="0"/>
               <a:t>		</a:t>
             </a:r>
             <a:r>
-              <a:rPr lang="en-US" dirty="0" err="1" smtClean="0"/>
+              <a:rPr lang="en-US" dirty="0" err="1"/>
               <a:t>int</a:t>
             </a:r>
             <a:r>
-              <a:rPr lang="en-US" dirty="0" smtClean="0"/>
+              <a:rPr lang="en-US" dirty="0"/>
               <a:t> a = 1;</a:t>
             </a:r>
           </a:p>
@@ -3734,39 +3723,39 @@
               <a:buNone/>
             </a:pPr>
             <a:r>
-              <a:rPr lang="en-US" dirty="0" smtClean="0"/>
+              <a:rPr lang="en-US" dirty="0"/>
               <a:t>		for( </a:t>
             </a:r>
             <a:r>
-              <a:rPr lang="en-US" dirty="0" err="1" smtClean="0"/>
+              <a:rPr lang="en-US" dirty="0" err="1"/>
               <a:t>int</a:t>
             </a:r>
             <a:r>
-              <a:rPr lang="en-US" dirty="0" smtClean="0"/>
+              <a:rPr lang="en-US" dirty="0"/>
               <a:t> </a:t>
             </a:r>
             <a:r>
-              <a:rPr lang="en-US" dirty="0" err="1" smtClean="0"/>
+              <a:rPr lang="en-US" dirty="0" err="1"/>
               <a:t>i</a:t>
             </a:r>
             <a:r>
-              <a:rPr lang="en-US" dirty="0" smtClean="0"/>
+              <a:rPr lang="en-US" dirty="0"/>
               <a:t>  = 0; </a:t>
             </a:r>
             <a:r>
-              <a:rPr lang="en-US" dirty="0" err="1" smtClean="0"/>
+              <a:rPr lang="en-US" dirty="0" err="1"/>
               <a:t>i</a:t>
             </a:r>
             <a:r>
-              <a:rPr lang="en-US" dirty="0" smtClean="0"/>
+              <a:rPr lang="en-US" dirty="0"/>
               <a:t> &lt; 10; </a:t>
             </a:r>
             <a:r>
-              <a:rPr lang="en-US" dirty="0" err="1" smtClean="0"/>
+              <a:rPr lang="en-US" dirty="0" err="1"/>
               <a:t>i</a:t>
             </a:r>
             <a:r>
-              <a:rPr lang="en-US" dirty="0" smtClean="0"/>
+              <a:rPr lang="en-US" dirty="0"/>
               <a:t>++ )</a:t>
             </a:r>
           </a:p>
@@ -3775,7 +3764,7 @@
               <a:buNone/>
             </a:pPr>
             <a:r>
-              <a:rPr lang="en-US" dirty="0" smtClean="0"/>
+              <a:rPr lang="en-US" dirty="0"/>
               <a:t>		{</a:t>
             </a:r>
           </a:p>
@@ -3784,7 +3773,7 @@
               <a:buNone/>
             </a:pPr>
             <a:r>
-              <a:rPr lang="en-US" dirty="0" smtClean="0"/>
+              <a:rPr lang="en-US" dirty="0"/>
               <a:t>			a += 3;	</a:t>
             </a:r>
           </a:p>
@@ -3793,7 +3782,7 @@
               <a:buNone/>
             </a:pPr>
             <a:r>
-              <a:rPr lang="en-US" dirty="0" smtClean="0"/>
+              <a:rPr lang="en-US" dirty="0"/>
               <a:t>		}</a:t>
             </a:r>
           </a:p>
@@ -3802,44 +3791,44 @@
               <a:buNone/>
             </a:pPr>
             <a:r>
-              <a:rPr lang="en-US" dirty="0" smtClean="0"/>
+              <a:rPr lang="en-US" dirty="0"/>
               <a:t>		return a;   //</a:t>
             </a:r>
             <a:r>
-              <a:rPr lang="ru-RU" dirty="0" smtClean="0"/>
+              <a:rPr lang="ru-RU" dirty="0"/>
               <a:t>в </a:t>
             </a:r>
             <a:r>
-              <a:rPr lang="en-US" dirty="0" smtClean="0"/>
+              <a:rPr lang="en-US" dirty="0"/>
               <a:t>‘a’ </a:t>
             </a:r>
             <a:r>
-              <a:rPr lang="ru-RU" dirty="0" smtClean="0"/>
+              <a:rPr lang="ru-RU" dirty="0"/>
               <a:t>содержится результат работы функции, его </a:t>
             </a:r>
             <a:r>
-              <a:rPr lang="en-US" dirty="0" smtClean="0"/>
+              <a:rPr lang="en-US" dirty="0"/>
               <a:t> </a:t>
             </a:r>
             <a:r>
-              <a:rPr lang="ru-RU" dirty="0" smtClean="0"/>
+              <a:rPr lang="ru-RU" dirty="0"/>
               <a:t>и возвращаем	</a:t>
             </a:r>
-            <a:endParaRPr lang="en-US" dirty="0" smtClean="0"/>
+            <a:endParaRPr lang="en-US" dirty="0"/>
           </a:p>
           <a:p>
             <a:pPr>
               <a:buNone/>
             </a:pPr>
             <a:r>
-              <a:rPr lang="en-US" dirty="0" smtClean="0"/>
+              <a:rPr lang="en-US" dirty="0"/>
               <a:t>	}</a:t>
             </a:r>
             <a:r>
-              <a:rPr lang="ru-RU" dirty="0" smtClean="0"/>
+              <a:rPr lang="ru-RU" dirty="0"/>
               <a:t> </a:t>
             </a:r>
-            <a:endParaRPr lang="en-US" dirty="0" smtClean="0"/>
+            <a:endParaRPr lang="en-US" dirty="0"/>
           </a:p>
         </p:txBody>
       </p:sp>
@@ -3913,10 +3902,9 @@
           <a:lstStyle/>
           <a:p>
             <a:r>
-              <a:rPr lang="ru-RU" dirty="0" smtClean="0"/>
+              <a:rPr lang="ru-RU" dirty="0"/>
               <a:t>Список параметров</a:t>
             </a:r>
-            <a:endParaRPr lang="ru-RU" dirty="0"/>
           </a:p>
         </p:txBody>
       </p:sp>
@@ -3943,135 +3931,135 @@
           <a:lstStyle/>
           <a:p>
             <a:r>
-              <a:rPr lang="en-US" sz="2800" dirty="0" smtClean="0"/>
+              <a:rPr lang="en-US" sz="2800" dirty="0"/>
               <a:t>return</a:t>
             </a:r>
             <a:r>
-              <a:rPr lang="ru-RU" sz="2800" dirty="0" smtClean="0"/>
+              <a:rPr lang="ru-RU" sz="2800" dirty="0"/>
               <a:t>_</a:t>
             </a:r>
             <a:r>
-              <a:rPr lang="en-US" sz="2800" dirty="0" smtClean="0"/>
+              <a:rPr lang="en-US" sz="2800" dirty="0"/>
               <a:t>type</a:t>
             </a:r>
             <a:r>
-              <a:rPr lang="ru-RU" sz="2800" dirty="0" smtClean="0"/>
+              <a:rPr lang="ru-RU" sz="2800" dirty="0"/>
               <a:t> </a:t>
             </a:r>
             <a:r>
-              <a:rPr lang="en-US" sz="2800" dirty="0" err="1" smtClean="0"/>
+              <a:rPr lang="en-US" sz="2800" dirty="0" err="1"/>
               <a:t>MethodName</a:t>
             </a:r>
             <a:r>
-              <a:rPr lang="en-US" sz="2800" dirty="0" smtClean="0"/>
+              <a:rPr lang="en-US" sz="2800" dirty="0"/>
               <a:t>(</a:t>
             </a:r>
             <a:r>
-              <a:rPr lang="ru-RU" sz="2800" dirty="0" smtClean="0"/>
+              <a:rPr lang="ru-RU" sz="2800" dirty="0"/>
               <a:t>   </a:t>
             </a:r>
             <a:r>
-              <a:rPr lang="en-US" sz="2800" b="1" i="1" u="sng" dirty="0" smtClean="0"/>
+              <a:rPr lang="en-US" sz="2800" b="1" i="1" u="sng" dirty="0"/>
               <a:t>[</a:t>
             </a:r>
             <a:r>
-              <a:rPr lang="en-US" sz="2800" b="1" i="1" u="sng" dirty="0" err="1" smtClean="0"/>
+              <a:rPr lang="en-US" sz="2800" b="1" i="1" u="sng" dirty="0" err="1"/>
               <a:t>parameter_list</a:t>
             </a:r>
             <a:r>
-              <a:rPr lang="en-US" sz="2800" b="1" i="1" u="sng" dirty="0" smtClean="0"/>
+              <a:rPr lang="en-US" sz="2800" b="1" i="1" u="sng" dirty="0"/>
               <a:t>]</a:t>
             </a:r>
             <a:r>
-              <a:rPr lang="ru-RU" sz="2800" dirty="0" smtClean="0"/>
+              <a:rPr lang="ru-RU" sz="2800" dirty="0"/>
               <a:t>   </a:t>
             </a:r>
             <a:r>
-              <a:rPr lang="en-US" sz="2800" dirty="0" smtClean="0"/>
+              <a:rPr lang="en-US" sz="2800" dirty="0"/>
               <a:t>) </a:t>
             </a:r>
-            <a:endParaRPr lang="ru-RU" sz="2800" dirty="0" smtClean="0"/>
-          </a:p>
-          <a:p>
-            <a:r>
-              <a:rPr lang="ru-RU" sz="2800" dirty="0" smtClean="0"/>
+            <a:endParaRPr lang="ru-RU" sz="2800" dirty="0"/>
+          </a:p>
+          <a:p>
+            <a:r>
+              <a:rPr lang="ru-RU" sz="2800" dirty="0"/>
               <a:t>Данных, хранимых в классе не всегда достаточно, для того, чтобы выполнить какие то действия. Часто нужны данные, напрямую не относящиеся к данной сущности, данные из внешней среды, часто меняющие свое значение, значения для инициализации полей класса. </a:t>
             </a:r>
           </a:p>
           <a:p>
             <a:r>
-              <a:rPr lang="ru-RU" sz="2800" dirty="0" smtClean="0"/>
+              <a:rPr lang="ru-RU" sz="2800" dirty="0"/>
               <a:t>Например, для класса Человек может быть определен метод </a:t>
             </a:r>
             <a:r>
-              <a:rPr lang="en-US" sz="2800" dirty="0" smtClean="0"/>
+              <a:rPr lang="en-US" sz="2800" dirty="0"/>
               <a:t>Move – </a:t>
             </a:r>
             <a:r>
-              <a:rPr lang="ru-RU" sz="2800" dirty="0" smtClean="0"/>
+              <a:rPr lang="ru-RU" sz="2800" dirty="0"/>
               <a:t>двигаться, тогда, параметром метода </a:t>
             </a:r>
             <a:r>
-              <a:rPr lang="en-US" sz="2800" dirty="0" smtClean="0"/>
+              <a:rPr lang="en-US" sz="2800" dirty="0"/>
               <a:t>Move </a:t>
             </a:r>
             <a:r>
-              <a:rPr lang="ru-RU" sz="2800" dirty="0" smtClean="0"/>
+              <a:rPr lang="ru-RU" sz="2800" dirty="0"/>
               <a:t>могут быть координаты</a:t>
             </a:r>
             <a:r>
-              <a:rPr lang="en-US" sz="2800" dirty="0" smtClean="0"/>
+              <a:rPr lang="en-US" sz="2800" dirty="0"/>
               <a:t> x, y – </a:t>
             </a:r>
             <a:r>
-              <a:rPr lang="ru-RU" sz="2800" dirty="0" smtClean="0"/>
+              <a:rPr lang="ru-RU" sz="2800" dirty="0"/>
               <a:t>куда нужно идти.</a:t>
             </a:r>
           </a:p>
           <a:p>
             <a:r>
-              <a:rPr lang="ru-RU" sz="2800" dirty="0" smtClean="0"/>
+              <a:rPr lang="ru-RU" sz="2800" dirty="0"/>
               <a:t>В классе </a:t>
             </a:r>
             <a:r>
-              <a:rPr lang="en-US" sz="2800" dirty="0" smtClean="0"/>
+              <a:rPr lang="en-US" sz="2800" dirty="0"/>
               <a:t>Console (</a:t>
             </a:r>
             <a:r>
-              <a:rPr lang="ru-RU" sz="2800" dirty="0" smtClean="0"/>
+              <a:rPr lang="ru-RU" sz="2800" dirty="0"/>
               <a:t>консоль), </a:t>
             </a:r>
             <a:r>
-              <a:rPr lang="en-US" sz="2800" dirty="0" smtClean="0"/>
+              <a:rPr lang="en-US" sz="2800" dirty="0"/>
               <a:t> </a:t>
             </a:r>
             <a:r>
-              <a:rPr lang="ru-RU" sz="2800" dirty="0" smtClean="0"/>
+              <a:rPr lang="ru-RU" sz="2800" dirty="0"/>
               <a:t>есть метод </a:t>
             </a:r>
             <a:r>
-              <a:rPr lang="en-US" sz="2800" dirty="0" smtClean="0"/>
+              <a:rPr lang="en-US" sz="2800" dirty="0"/>
               <a:t>Write</a:t>
             </a:r>
             <a:r>
-              <a:rPr lang="ru-RU" sz="2800" dirty="0" smtClean="0"/>
+              <a:rPr lang="ru-RU" sz="2800" dirty="0"/>
               <a:t>, его параметром служит строка, которая будет выведена.</a:t>
             </a:r>
           </a:p>
           <a:p>
             <a:r>
-              <a:rPr lang="ru-RU" sz="2800" dirty="0" smtClean="0"/>
+              <a:rPr lang="ru-RU" sz="2800" dirty="0"/>
               <a:t>У класса человек может быть метод, задающий значение поля Имя, это значение может быть передано через параметр метода.</a:t>
             </a:r>
           </a:p>
           <a:p>
             <a:r>
-              <a:rPr lang="ru-RU" sz="2800" dirty="0" smtClean="0"/>
+              <a:rPr lang="ru-RU" sz="2800" dirty="0"/>
               <a:t>Если нужно сохранить какое то значение из класса в файле, ссылка на файл может быть передана как параметр.</a:t>
             </a:r>
           </a:p>
           <a:p>
-            <a:endParaRPr lang="ru-RU" sz="2800" dirty="0" smtClean="0"/>
+            <a:endParaRPr lang="ru-RU" sz="2800" dirty="0"/>
           </a:p>
         </p:txBody>
       </p:sp>
@@ -4145,10 +4133,9 @@
           <a:lstStyle/>
           <a:p>
             <a:r>
-              <a:rPr lang="ru-RU" dirty="0" smtClean="0"/>
+              <a:rPr lang="ru-RU" dirty="0"/>
               <a:t>Список параметров</a:t>
             </a:r>
-            <a:endParaRPr lang="ru-RU" dirty="0"/>
           </a:p>
         </p:txBody>
       </p:sp>
@@ -4175,7 +4162,7 @@
           <a:lstStyle/>
           <a:p>
             <a:r>
-              <a:rPr lang="ru-RU" dirty="0" smtClean="0"/>
+              <a:rPr lang="ru-RU" dirty="0"/>
               <a:t>Параметры, если они есть, объявляются через запятую, с указанием типа данных:</a:t>
             </a:r>
           </a:p>
@@ -4184,27 +4171,27 @@
               <a:buNone/>
             </a:pPr>
             <a:r>
-              <a:rPr lang="en-US" dirty="0" err="1" smtClean="0"/>
+              <a:rPr lang="en-US" dirty="0" err="1"/>
               <a:t>int</a:t>
             </a:r>
             <a:r>
-              <a:rPr lang="en-US" dirty="0" smtClean="0"/>
+              <a:rPr lang="en-US" dirty="0"/>
               <a:t> Sum ( </a:t>
             </a:r>
             <a:r>
-              <a:rPr lang="en-US" dirty="0" err="1" smtClean="0"/>
+              <a:rPr lang="en-US" dirty="0" err="1"/>
               <a:t>int</a:t>
             </a:r>
             <a:r>
-              <a:rPr lang="en-US" dirty="0" smtClean="0"/>
+              <a:rPr lang="en-US" dirty="0"/>
               <a:t> a, </a:t>
             </a:r>
             <a:r>
-              <a:rPr lang="en-US" dirty="0" err="1" smtClean="0"/>
+              <a:rPr lang="en-US" dirty="0" err="1"/>
               <a:t>int</a:t>
             </a:r>
             <a:r>
-              <a:rPr lang="en-US" dirty="0" smtClean="0"/>
+              <a:rPr lang="en-US" dirty="0"/>
               <a:t> b )</a:t>
             </a:r>
           </a:p>
@@ -4213,7 +4200,7 @@
               <a:buNone/>
             </a:pPr>
             <a:r>
-              <a:rPr lang="en-US" dirty="0" smtClean="0"/>
+              <a:rPr lang="en-US" dirty="0"/>
               <a:t>double Sum ( double a, double b )</a:t>
             </a:r>
           </a:p>
@@ -4222,36 +4209,35 @@
               <a:buNone/>
             </a:pPr>
             <a:r>
-              <a:rPr lang="en-US" dirty="0" smtClean="0"/>
+              <a:rPr lang="en-US" dirty="0"/>
               <a:t>void </a:t>
             </a:r>
             <a:r>
-              <a:rPr lang="en-US" dirty="0" err="1" smtClean="0"/>
+              <a:rPr lang="en-US" dirty="0" err="1"/>
               <a:t>SaveToFile</a:t>
             </a:r>
             <a:r>
-              <a:rPr lang="en-US" dirty="0" smtClean="0"/>
+              <a:rPr lang="en-US" dirty="0"/>
               <a:t> ( File </a:t>
             </a:r>
             <a:r>
-              <a:rPr lang="en-US" dirty="0" err="1" smtClean="0"/>
+              <a:rPr lang="en-US" dirty="0" err="1"/>
               <a:t>file</a:t>
             </a:r>
             <a:r>
-              <a:rPr lang="en-US" dirty="0" smtClean="0"/>
+              <a:rPr lang="en-US" dirty="0"/>
               <a:t> )</a:t>
             </a:r>
           </a:p>
           <a:p>
             <a:r>
-              <a:rPr lang="ru-RU" dirty="0" smtClean="0"/>
+              <a:rPr lang="ru-RU" dirty="0"/>
               <a:t>Основные типы данных рассмотрены выше</a:t>
             </a:r>
-            <a:endParaRPr lang="ru-RU" dirty="0"/>
-          </a:p>
-          <a:p>
-            <a:r>
-              <a:rPr lang="ru-RU" dirty="0" smtClean="0"/>
+          </a:p>
+          <a:p>
+            <a:r>
+              <a:rPr lang="ru-RU" dirty="0"/>
               <a:t>При вызове функции, согласно этому списку передаются фактические значения, например:</a:t>
             </a:r>
           </a:p>
@@ -4261,11 +4247,7 @@
             </a:pPr>
             <a:r>
               <a:rPr lang="en-US" dirty="0"/>
-              <a:t>	</a:t>
-            </a:r>
-            <a:r>
-              <a:rPr lang="en-US" dirty="0" smtClean="0"/>
-              <a:t>Sum( 4, 10);</a:t>
+              <a:t>	Sum( 4, 10);</a:t>
             </a:r>
           </a:p>
           <a:p>
@@ -4274,21 +4256,17 @@
             </a:pPr>
             <a:r>
               <a:rPr lang="en-US" dirty="0"/>
-              <a:t>	</a:t>
-            </a:r>
-            <a:r>
-              <a:rPr lang="en-US" dirty="0" smtClean="0"/>
-              <a:t>Sum( a, 15 );	//a</a:t>
-            </a:r>
-            <a:r>
-              <a:rPr lang="ru-RU" dirty="0" smtClean="0"/>
+              <a:t>	Sum( a, 15 );	//a</a:t>
+            </a:r>
+            <a:r>
+              <a:rPr lang="ru-RU" dirty="0"/>
               <a:t> – переменная типа </a:t>
             </a:r>
             <a:r>
-              <a:rPr lang="en-US" dirty="0" err="1" smtClean="0"/>
+              <a:rPr lang="en-US" dirty="0" err="1"/>
               <a:t>int</a:t>
             </a:r>
-            <a:endParaRPr lang="en-US" dirty="0" smtClean="0"/>
+            <a:endParaRPr lang="en-US" dirty="0"/>
           </a:p>
         </p:txBody>
       </p:sp>
@@ -4357,10 +4335,9 @@
           <a:lstStyle/>
           <a:p>
             <a:r>
-              <a:rPr lang="ru-RU" dirty="0" smtClean="0"/>
+              <a:rPr lang="ru-RU" dirty="0"/>
               <a:t>Что может быть в теле метода?</a:t>
             </a:r>
-            <a:endParaRPr lang="ru-RU" dirty="0"/>
           </a:p>
         </p:txBody>
       </p:sp>
@@ -4385,16 +4362,15 @@
           <a:lstStyle/>
           <a:p>
             <a:r>
-              <a:rPr lang="ru-RU" dirty="0" smtClean="0"/>
+              <a:rPr lang="ru-RU" dirty="0"/>
               <a:t> Объявление переменных для промежуточных вычислений ( нужно сохранить какой то результат для дальнейшего использования )</a:t>
             </a:r>
           </a:p>
           <a:p>
             <a:r>
-              <a:rPr lang="ru-RU" dirty="0" smtClean="0"/>
+              <a:rPr lang="ru-RU" dirty="0"/>
               <a:t>Инструкции, операторы, работающие с локальными переменными, переменными – параметрами, с переменными класса. Обращение к переменным идет по имени.</a:t>
             </a:r>
-            <a:endParaRPr lang="ru-RU" dirty="0"/>
           </a:p>
         </p:txBody>
       </p:sp>
@@ -4427,13 +4403,6 @@
   <p:clrMapOvr>
     <a:masterClrMapping/>
   </p:clrMapOvr>
-  <p:timing>
-    <p:tnLst>
-      <p:par>
-        <p:cTn id="1" dur="indefinite" restart="never" nodeType="tmRoot"/>
-      </p:par>
-    </p:tnLst>
-  </p:timing>
 </p:sld>
 </file>
 
@@ -4466,21 +4435,29 @@
         </p:nvSpPr>
         <p:spPr>
           <a:xfrm>
-            <a:off x="467544" y="0"/>
-            <a:ext cx="8229600" cy="692696"/>
+            <a:off x="0" y="0"/>
+            <a:ext cx="9144000" cy="548680"/>
           </a:xfrm>
         </p:spPr>
         <p:txBody>
           <a:bodyPr>
-            <a:normAutofit fontScale="90000"/>
+            <a:noAutofit/>
           </a:bodyPr>
           <a:lstStyle/>
           <a:p>
-            <a:r>
-              <a:rPr lang="ru-RU" dirty="0" smtClean="0"/>
-              <a:t>Объявления переменных</a:t>
-            </a:r>
-            <a:endParaRPr lang="ru-RU" dirty="0"/>
+            <a:pPr algn="l"/>
+            <a:r>
+              <a:rPr lang="ru-RU" sz="3000" dirty="0"/>
+              <a:t>Задание 2.</a:t>
+            </a:r>
+            <a:r>
+              <a:rPr lang="en-US" sz="3000" dirty="0"/>
+              <a:t>2</a:t>
+            </a:r>
+            <a:r>
+              <a:rPr lang="ru-RU" sz="3000" dirty="0"/>
+              <a:t> Укажите допущенные ошибки</a:t>
+            </a:r>
           </a:p>
         </p:txBody>
       </p:sp>
@@ -4496,218 +4473,323 @@
         </p:nvSpPr>
         <p:spPr>
           <a:xfrm>
-            <a:off x="467544" y="764704"/>
-            <a:ext cx="8229600" cy="6093296"/>
+            <a:off x="0" y="593304"/>
+            <a:ext cx="9144000" cy="6264696"/>
           </a:xfrm>
         </p:spPr>
         <p:txBody>
           <a:bodyPr>
-            <a:normAutofit fontScale="77500" lnSpcReduction="20000"/>
+            <a:normAutofit fontScale="70000" lnSpcReduction="20000"/>
           </a:bodyPr>
           <a:lstStyle/>
           <a:p>
-            <a:r>
-              <a:rPr lang="ru-RU" dirty="0" smtClean="0"/>
-              <a:t>Могут быть объявлены при определении класса или внутри метода</a:t>
-            </a:r>
-          </a:p>
-          <a:p>
-            <a:r>
-              <a:rPr lang="ru-RU" dirty="0" smtClean="0"/>
-              <a:t>Примеры объявлений:</a:t>
-            </a:r>
-            <a:endParaRPr lang="en-US" dirty="0" smtClean="0"/>
-          </a:p>
-          <a:p>
-            <a:pPr>
-              <a:buNone/>
-            </a:pPr>
-            <a:r>
-              <a:rPr lang="en-US" dirty="0" smtClean="0"/>
+            <a:pPr marL="514350" indent="-514350">
+              <a:buFont typeface="+mj-lt"/>
+              <a:buAutoNum type="arabicPeriod"/>
+            </a:pPr>
+            <a:r>
+              <a:rPr lang="en-US" sz="3400" dirty="0" err="1"/>
+              <a:t>clas</a:t>
+            </a:r>
+            <a:r>
+              <a:rPr lang="en-US" sz="3400" dirty="0"/>
+              <a:t> Triangle</a:t>
+            </a:r>
+            <a:r>
+              <a:rPr lang="ru-RU" sz="3400" dirty="0"/>
+              <a:t>!  </a:t>
+            </a:r>
+            <a:r>
+              <a:rPr lang="en-US" sz="3400" dirty="0"/>
+              <a:t>//</a:t>
+            </a:r>
+            <a:r>
+              <a:rPr lang="ru-RU" sz="3400" dirty="0"/>
+              <a:t>класс «треугольник»</a:t>
+            </a:r>
+            <a:endParaRPr lang="en-US" sz="3400" dirty="0"/>
+          </a:p>
+          <a:p>
+            <a:pPr marL="514350" indent="-514350">
+              <a:buFont typeface="+mj-lt"/>
+              <a:buAutoNum type="arabicPeriod"/>
+            </a:pPr>
+            <a:r>
+              <a:rPr lang="en-US" sz="3400" dirty="0"/>
+              <a:t>{</a:t>
+            </a:r>
+          </a:p>
+          <a:p>
+            <a:pPr marL="514350" indent="-514350">
+              <a:buFont typeface="+mj-lt"/>
+              <a:buAutoNum type="arabicPeriod"/>
+            </a:pPr>
+            <a:r>
+              <a:rPr lang="ru-RU" sz="3400" dirty="0"/>
               <a:t>	</a:t>
             </a:r>
             <a:r>
-              <a:rPr lang="en-US" dirty="0" err="1" smtClean="0"/>
+              <a:rPr lang="en-US" sz="3400" dirty="0" err="1"/>
               <a:t>int</a:t>
             </a:r>
             <a:r>
-              <a:rPr lang="en-US" dirty="0" smtClean="0"/>
-              <a:t> b;</a:t>
-            </a:r>
-          </a:p>
-          <a:p>
-            <a:pPr>
-              <a:buNone/>
-            </a:pPr>
-            <a:r>
-              <a:rPr lang="en-US" dirty="0" smtClean="0"/>
-              <a:t>	string </a:t>
-            </a:r>
-            <a:r>
-              <a:rPr lang="en-US" dirty="0" err="1" smtClean="0"/>
-              <a:t>myString</a:t>
-            </a:r>
-            <a:r>
-              <a:rPr lang="en-US" dirty="0" smtClean="0"/>
-              <a:t> = “Hello”;</a:t>
-            </a:r>
-          </a:p>
-          <a:p>
-            <a:r>
-              <a:rPr lang="ru-RU" dirty="0" smtClean="0"/>
-              <a:t>Переменным могут быть присвоены только объекты соответствующих типов, если не существует преобразований</a:t>
-            </a:r>
-          </a:p>
-          <a:p>
-            <a:pPr>
-              <a:buNone/>
-            </a:pPr>
-            <a:r>
-              <a:rPr lang="en-US" dirty="0" smtClean="0"/>
+              <a:rPr lang="en-US" sz="3400" dirty="0"/>
+              <a:t>  </a:t>
+            </a:r>
+            <a:r>
+              <a:rPr lang="ru-RU" sz="3400" dirty="0"/>
+              <a:t>_</a:t>
+            </a:r>
+            <a:r>
+              <a:rPr lang="en-US" sz="3400" dirty="0"/>
+              <a:t>a, _b, _c;	//</a:t>
+            </a:r>
+            <a:r>
+              <a:rPr lang="ru-RU" sz="3400" dirty="0"/>
+              <a:t>стороны треугольника</a:t>
+            </a:r>
+            <a:endParaRPr lang="en-US" sz="3400" dirty="0"/>
+          </a:p>
+          <a:p>
+            <a:pPr marL="514350" indent="-514350">
+              <a:buFont typeface="+mj-lt"/>
+              <a:buAutoNum type="arabicPeriod"/>
+            </a:pPr>
+            <a:r>
+              <a:rPr lang="en-US" sz="3400" dirty="0"/>
+              <a:t>	public  </a:t>
+            </a:r>
+            <a:r>
+              <a:rPr lang="en-US" sz="3400" dirty="0" err="1"/>
+              <a:t>bool</a:t>
+            </a:r>
+            <a:r>
+              <a:rPr lang="en-US" sz="3400" dirty="0"/>
+              <a:t> </a:t>
+            </a:r>
+            <a:r>
+              <a:rPr lang="ru-RU" sz="3400" dirty="0"/>
+              <a:t> </a:t>
+            </a:r>
+            <a:r>
+              <a:rPr lang="en-US" sz="3400" dirty="0" err="1"/>
+              <a:t>IsValid</a:t>
+            </a:r>
+            <a:r>
+              <a:rPr lang="en-US" sz="3400" dirty="0"/>
+              <a:t> ()	//</a:t>
+            </a:r>
+            <a:r>
+              <a:rPr lang="ru-RU" sz="3400" dirty="0"/>
+              <a:t>стороны имеют допустимую длину?</a:t>
+            </a:r>
+            <a:endParaRPr lang="en-US" sz="3400" dirty="0"/>
+          </a:p>
+          <a:p>
+            <a:pPr marL="514350" indent="-514350">
+              <a:buFont typeface="+mj-lt"/>
+              <a:buAutoNum type="arabicPeriod"/>
+            </a:pPr>
+            <a:r>
+              <a:rPr lang="en-US" sz="3400" dirty="0"/>
+              <a:t>	{</a:t>
+            </a:r>
+            <a:endParaRPr lang="ru-RU" sz="3400" dirty="0"/>
+          </a:p>
+          <a:p>
+            <a:pPr marL="514350" indent="-514350">
+              <a:buFont typeface="+mj-lt"/>
+              <a:buAutoNum type="arabicPeriod"/>
+            </a:pPr>
+            <a:r>
+              <a:rPr lang="ru-RU" sz="3400" dirty="0"/>
+              <a:t>                   </a:t>
+            </a:r>
+            <a:r>
+              <a:rPr lang="en-US" sz="3400" dirty="0" err="1"/>
+              <a:t>int</a:t>
+            </a:r>
+            <a:r>
+              <a:rPr lang="en-US" sz="3400" dirty="0"/>
+              <a:t> result = 0.5;</a:t>
+            </a:r>
+          </a:p>
+          <a:p>
+            <a:pPr marL="514350" indent="-514350">
+              <a:buFont typeface="+mj-lt"/>
+              <a:buAutoNum type="arabicPeriod"/>
+            </a:pPr>
+            <a:r>
+              <a:rPr lang="ru-RU" sz="3400" dirty="0"/>
+              <a:t>		</a:t>
+            </a:r>
+            <a:r>
+              <a:rPr lang="en-US" sz="3400" dirty="0"/>
+              <a:t>if( _a + _b &lt;= _c || b + c &lt;= a || _a + _c &lt;= _b )</a:t>
+            </a:r>
+          </a:p>
+          <a:p>
+            <a:pPr marL="514350" indent="-514350">
+              <a:buFont typeface="+mj-lt"/>
+              <a:buAutoNum type="arabicPeriod"/>
+            </a:pPr>
+            <a:r>
+              <a:rPr lang="en-US" sz="3400" dirty="0"/>
+              <a:t>			return 1;</a:t>
+            </a:r>
+          </a:p>
+          <a:p>
+            <a:pPr marL="514350" indent="-514350">
+              <a:buFont typeface="+mj-lt"/>
+              <a:buAutoNum type="arabicPeriod"/>
+            </a:pPr>
+            <a:r>
+              <a:rPr lang="en-US" sz="3400" dirty="0"/>
+              <a:t>		return false;</a:t>
+            </a:r>
+          </a:p>
+          <a:p>
+            <a:pPr marL="514350" indent="-514350">
+              <a:buFont typeface="+mj-lt"/>
+              <a:buAutoNum type="arabicPeriod"/>
+            </a:pPr>
+            <a:r>
+              <a:rPr lang="en-US" sz="3400" dirty="0"/>
+              <a:t>	}</a:t>
+            </a:r>
+          </a:p>
+          <a:p>
+            <a:pPr marL="514350" indent="-514350">
+              <a:buFont typeface="+mj-lt"/>
+              <a:buAutoNum type="arabicPeriod"/>
+            </a:pPr>
+            <a:r>
+              <a:rPr lang="en-US" sz="3400" dirty="0"/>
               <a:t>	</a:t>
             </a:r>
             <a:r>
-              <a:rPr lang="en-US" dirty="0" err="1" smtClean="0"/>
+              <a:rPr lang="en-US" sz="3400" dirty="0" err="1"/>
               <a:t>int</a:t>
             </a:r>
             <a:r>
-              <a:rPr lang="en-US" dirty="0" smtClean="0"/>
-              <a:t> a = 10;    //</a:t>
-            </a:r>
-            <a:r>
-              <a:rPr lang="ru-RU" dirty="0" smtClean="0"/>
-              <a:t>так можно</a:t>
-            </a:r>
-          </a:p>
-          <a:p>
-            <a:pPr>
-              <a:buNone/>
-            </a:pPr>
-            <a:r>
-              <a:rPr lang="en-US" dirty="0" smtClean="0"/>
-              <a:t>	</a:t>
-            </a:r>
-            <a:r>
-              <a:rPr lang="en-US" dirty="0" err="1" smtClean="0"/>
+              <a:rPr lang="en-US" sz="3400" dirty="0"/>
+              <a:t> </a:t>
+            </a:r>
+            <a:r>
+              <a:rPr lang="en-US" sz="3400" dirty="0" err="1"/>
+              <a:t>GetPerimeter</a:t>
+            </a:r>
+            <a:r>
+              <a:rPr lang="en-US" sz="3400" dirty="0"/>
+              <a:t>()	//</a:t>
+            </a:r>
+            <a:r>
+              <a:rPr lang="ru-RU" sz="3400" dirty="0"/>
+              <a:t>расчет периметра</a:t>
+            </a:r>
+            <a:endParaRPr lang="en-US" sz="3400" dirty="0"/>
+          </a:p>
+          <a:p>
+            <a:pPr marL="514350" indent="-514350">
+              <a:buFont typeface="+mj-lt"/>
+              <a:buAutoNum type="arabicPeriod"/>
+            </a:pPr>
+            <a:r>
+              <a:rPr lang="en-US" sz="3400" dirty="0"/>
+              <a:t>	{</a:t>
+            </a:r>
+          </a:p>
+          <a:p>
+            <a:pPr marL="514350" indent="-514350">
+              <a:buFont typeface="+mj-lt"/>
+              <a:buAutoNum type="arabicPeriod"/>
+            </a:pPr>
+            <a:r>
+              <a:rPr lang="en-US" sz="3400" dirty="0"/>
+              <a:t>		</a:t>
+            </a:r>
+            <a:r>
+              <a:rPr lang="en-US" sz="3400" dirty="0" err="1"/>
               <a:t>int</a:t>
             </a:r>
             <a:r>
-              <a:rPr lang="en-US" dirty="0" smtClean="0"/>
-              <a:t> f = </a:t>
-            </a:r>
-            <a:r>
-              <a:rPr lang="ru-RU" dirty="0" smtClean="0"/>
-              <a:t>(</a:t>
-            </a:r>
-            <a:r>
-              <a:rPr lang="en-US" dirty="0" err="1" smtClean="0"/>
-              <a:t>int</a:t>
-            </a:r>
-            <a:r>
-              <a:rPr lang="ru-RU" dirty="0" smtClean="0"/>
-              <a:t>) </a:t>
-            </a:r>
-            <a:r>
-              <a:rPr lang="en-US" dirty="0" smtClean="0"/>
-              <a:t>1.5;   //</a:t>
-            </a:r>
-            <a:r>
-              <a:rPr lang="ru-RU" dirty="0" smtClean="0"/>
-              <a:t>и так можно (дробное число можно преобразовать в </a:t>
-            </a:r>
-            <a:r>
-              <a:rPr lang="en-US" dirty="0" err="1" smtClean="0"/>
-              <a:t>int</a:t>
-            </a:r>
-            <a:r>
-              <a:rPr lang="en-US" dirty="0" smtClean="0"/>
-              <a:t>)	</a:t>
-            </a:r>
-          </a:p>
-          <a:p>
-            <a:pPr>
-              <a:buNone/>
-            </a:pPr>
-            <a:r>
-              <a:rPr lang="en-US" dirty="0" smtClean="0"/>
-              <a:t>	</a:t>
-            </a:r>
-            <a:r>
-              <a:rPr lang="en-US" dirty="0" err="1" smtClean="0"/>
-              <a:t>int</a:t>
-            </a:r>
-            <a:r>
-              <a:rPr lang="en-US" dirty="0" smtClean="0"/>
-              <a:t> d = “20”; //</a:t>
-            </a:r>
-            <a:r>
-              <a:rPr lang="ru-RU" dirty="0" smtClean="0"/>
-              <a:t>а так нет, т.к. </a:t>
-            </a:r>
-            <a:r>
-              <a:rPr lang="en-US" dirty="0" smtClean="0"/>
-              <a:t>“20” – </a:t>
-            </a:r>
-            <a:r>
-              <a:rPr lang="ru-RU" dirty="0" smtClean="0"/>
-              <a:t>строковый тип данных</a:t>
-            </a:r>
-          </a:p>
-          <a:p>
-            <a:pPr>
-              <a:buNone/>
-            </a:pPr>
-            <a:r>
-              <a:rPr lang="en-US" dirty="0" smtClean="0"/>
-              <a:t>	string </a:t>
-            </a:r>
-            <a:r>
-              <a:rPr lang="en-US" dirty="0" err="1" smtClean="0"/>
-              <a:t>userName</a:t>
-            </a:r>
-            <a:r>
-              <a:rPr lang="en-US" dirty="0" smtClean="0"/>
-              <a:t> = 10; //</a:t>
-            </a:r>
-            <a:r>
-              <a:rPr lang="ru-RU" dirty="0" smtClean="0"/>
-              <a:t>и снова нельзя, т.к. 10 – переменная типа </a:t>
-            </a:r>
-            <a:r>
-              <a:rPr lang="en-US" dirty="0" err="1" smtClean="0"/>
-              <a:t>int</a:t>
-            </a:r>
-            <a:endParaRPr lang="ru-RU" dirty="0" smtClean="0"/>
-          </a:p>
-          <a:p>
-            <a:pPr>
-              <a:buNone/>
-            </a:pPr>
-            <a:r>
-              <a:rPr lang="ru-RU" dirty="0" smtClean="0"/>
-              <a:t>	</a:t>
-            </a:r>
-            <a:r>
-              <a:rPr lang="en-US" dirty="0" smtClean="0"/>
-              <a:t>string myString2 = new String ();	//</a:t>
-            </a:r>
-            <a:r>
-              <a:rPr lang="ru-RU" dirty="0" smtClean="0"/>
-              <a:t>создание объекта через </a:t>
-            </a:r>
-            <a:r>
-              <a:rPr lang="en-US" dirty="0" smtClean="0"/>
-              <a:t>new</a:t>
-            </a:r>
-          </a:p>
-          <a:p>
-            <a:pPr>
-              <a:buNone/>
-            </a:pPr>
-            <a:r>
-              <a:rPr lang="en-US" dirty="0" smtClean="0"/>
-              <a:t>	</a:t>
-            </a:r>
+              <a:rPr lang="en-US" sz="3400" dirty="0"/>
+              <a:t> result = _a + _b + _c;</a:t>
+            </a:r>
+          </a:p>
+          <a:p>
+            <a:pPr marL="514350" indent="-514350">
+              <a:buFont typeface="+mj-lt"/>
+              <a:buAutoNum type="arabicPeriod"/>
+            </a:pPr>
+            <a:r>
+              <a:rPr lang="en-US" sz="3400" dirty="0"/>
+              <a:t>	}</a:t>
+            </a:r>
+          </a:p>
+          <a:p>
+            <a:pPr marL="514350" indent="-514350">
+              <a:buFont typeface="+mj-lt"/>
+              <a:buAutoNum type="arabicPeriod"/>
+            </a:pPr>
+            <a:r>
+              <a:rPr lang="en-US" sz="3400" dirty="0"/>
+              <a:t>      string    </a:t>
+            </a:r>
+            <a:r>
+              <a:rPr lang="en-US" sz="3400" dirty="0" err="1"/>
+              <a:t>GetName</a:t>
+            </a:r>
+            <a:r>
+              <a:rPr lang="en-US" sz="3400" dirty="0"/>
+              <a:t>()</a:t>
+            </a:r>
+          </a:p>
+          <a:p>
+            <a:pPr marL="514350" indent="-514350">
+              <a:buFont typeface="+mj-lt"/>
+              <a:buAutoNum type="arabicPeriod"/>
+            </a:pPr>
+            <a:r>
+              <a:rPr lang="en-US" sz="3400" dirty="0"/>
+              <a:t>      {  </a:t>
+            </a:r>
+            <a:r>
+              <a:rPr lang="ru-RU" sz="3400" dirty="0"/>
+              <a:t> </a:t>
+            </a:r>
+            <a:r>
+              <a:rPr lang="en-US" sz="3400" dirty="0"/>
+              <a:t>return “</a:t>
+            </a:r>
+            <a:r>
+              <a:rPr lang="ru-RU" sz="3400" dirty="0"/>
+              <a:t>Треугольник</a:t>
+            </a:r>
+            <a:r>
+              <a:rPr lang="en-US" sz="3400" dirty="0"/>
+              <a:t>” </a:t>
+            </a:r>
+            <a:r>
+              <a:rPr lang="ru-RU" sz="3400" dirty="0"/>
+              <a:t> </a:t>
+            </a:r>
+            <a:r>
+              <a:rPr lang="en-US" sz="3400" dirty="0"/>
+              <a:t> }</a:t>
+            </a:r>
+            <a:endParaRPr lang="ru-RU" sz="2600" dirty="0"/>
+          </a:p>
+          <a:p>
+            <a:pPr marL="514350" indent="-514350">
+              <a:buFont typeface="+mj-lt"/>
+              <a:buAutoNum type="arabicPeriod"/>
+            </a:pPr>
+            <a:r>
+              <a:rPr lang="en-US" sz="3400" dirty="0"/>
+              <a:t>}</a:t>
+            </a:r>
+            <a:endParaRPr lang="ru-RU" sz="3400" dirty="0"/>
           </a:p>
         </p:txBody>
       </p:sp>
@@ -4740,13 +4822,6 @@
   <p:clrMapOvr>
     <a:masterClrMapping/>
   </p:clrMapOvr>
-  <p:timing>
-    <p:tnLst>
-      <p:par>
-        <p:cTn id="1" dur="indefinite" restart="never" nodeType="tmRoot"/>
-      </p:par>
-    </p:tnLst>
-  </p:timing>
 </p:sld>
 </file>
 
@@ -4780,29 +4855,28 @@
         <p:spPr>
           <a:xfrm>
             <a:off x="0" y="0"/>
-            <a:ext cx="9144000" cy="548680"/>
+            <a:ext cx="9144000" cy="1052736"/>
           </a:xfrm>
         </p:spPr>
         <p:txBody>
           <a:bodyPr>
-            <a:noAutofit/>
+            <a:normAutofit fontScale="90000"/>
           </a:bodyPr>
           <a:lstStyle/>
           <a:p>
-            <a:pPr algn="l"/>
-            <a:r>
-              <a:rPr lang="ru-RU" sz="3000" dirty="0" smtClean="0"/>
-              <a:t>Задание 2.</a:t>
-            </a:r>
-            <a:r>
-              <a:rPr lang="en-US" sz="3000" dirty="0" smtClean="0"/>
-              <a:t>2</a:t>
-            </a:r>
-            <a:r>
-              <a:rPr lang="ru-RU" sz="3000" dirty="0" smtClean="0"/>
-              <a:t> Укажите допущенные ошибки</a:t>
-            </a:r>
-            <a:endParaRPr lang="ru-RU" sz="3000" dirty="0"/>
+            <a:r>
+              <a:rPr lang="ru-RU" altLang="ru-RU" dirty="0"/>
+              <a:t>Определение класса</a:t>
+            </a:r>
+            <a:r>
+              <a:rPr lang="en-US" altLang="ru-RU" dirty="0"/>
+              <a:t> </a:t>
+            </a:r>
+            <a:r>
+              <a:rPr lang="ru-RU" altLang="ru-RU" dirty="0"/>
+              <a:t>с учетом переменных и методов</a:t>
+            </a:r>
+            <a:endParaRPr lang="ru-RU" dirty="0"/>
           </a:p>
         </p:txBody>
       </p:sp>
@@ -4818,331 +4892,271 @@
         </p:nvSpPr>
         <p:spPr>
           <a:xfrm>
-            <a:off x="0" y="593304"/>
-            <a:ext cx="9144000" cy="6264696"/>
+            <a:off x="395536" y="1196752"/>
+            <a:ext cx="8496944" cy="5661248"/>
           </a:xfrm>
         </p:spPr>
         <p:txBody>
           <a:bodyPr>
-            <a:normAutofit fontScale="70000" lnSpcReduction="20000"/>
+            <a:normAutofit fontScale="85000" lnSpcReduction="10000"/>
           </a:bodyPr>
           <a:lstStyle/>
           <a:p>
-            <a:pPr marL="514350" indent="-514350">
-              <a:buFont typeface="+mj-lt"/>
-              <a:buAutoNum type="arabicPeriod"/>
-            </a:pPr>
-            <a:r>
-              <a:rPr lang="en-US" sz="3400" dirty="0" err="1" smtClean="0"/>
-              <a:t>clas</a:t>
-            </a:r>
-            <a:r>
-              <a:rPr lang="en-US" sz="3400" dirty="0" smtClean="0"/>
-              <a:t> Triangle</a:t>
-            </a:r>
-            <a:r>
-              <a:rPr lang="ru-RU" sz="3400" dirty="0" smtClean="0"/>
-              <a:t>!  </a:t>
-            </a:r>
-            <a:r>
-              <a:rPr lang="en-US" sz="3400" dirty="0" smtClean="0"/>
+            <a:pPr>
+              <a:buNone/>
+            </a:pPr>
+            <a:r>
+              <a:rPr lang="en-US" dirty="0"/>
+              <a:t>[</a:t>
+            </a:r>
+            <a:r>
+              <a:rPr lang="ru-RU" dirty="0"/>
+              <a:t>мод. доступа</a:t>
+            </a:r>
+            <a:r>
+              <a:rPr lang="en-US" dirty="0"/>
+              <a:t>] class </a:t>
+            </a:r>
+            <a:r>
+              <a:rPr lang="en-US" dirty="0" err="1"/>
+              <a:t>ClassName</a:t>
+            </a:r>
+            <a:r>
+              <a:rPr lang="en-US" dirty="0"/>
+              <a:t> </a:t>
+            </a:r>
+            <a:endParaRPr lang="ru-RU" dirty="0"/>
+          </a:p>
+          <a:p>
+            <a:pPr>
+              <a:buNone/>
+            </a:pPr>
+            <a:r>
+              <a:rPr lang="en-US" dirty="0"/>
+              <a:t>{ </a:t>
+            </a:r>
+            <a:endParaRPr lang="ru-RU" dirty="0"/>
+          </a:p>
+          <a:p>
+            <a:pPr>
+              <a:buNone/>
+            </a:pPr>
+            <a:r>
+              <a:rPr lang="ru-RU" dirty="0"/>
+              <a:t>	</a:t>
+            </a:r>
+            <a:r>
+              <a:rPr lang="en-US" dirty="0"/>
+              <a:t>// </a:t>
+            </a:r>
+            <a:r>
+              <a:rPr lang="ru-RU" dirty="0"/>
+              <a:t>переменные:</a:t>
+            </a:r>
+          </a:p>
+          <a:p>
+            <a:pPr>
+              <a:buNone/>
+            </a:pPr>
+            <a:r>
+              <a:rPr lang="en-US" dirty="0"/>
+              <a:t> </a:t>
+            </a:r>
+            <a:r>
+              <a:rPr lang="ru-RU" dirty="0"/>
+              <a:t>	</a:t>
+            </a:r>
+            <a:r>
+              <a:rPr lang="en-US" dirty="0"/>
+              <a:t>[</a:t>
+            </a:r>
+            <a:r>
+              <a:rPr lang="ru-RU" dirty="0"/>
+              <a:t>мод. доступа</a:t>
+            </a:r>
+            <a:r>
+              <a:rPr lang="en-US" dirty="0"/>
+              <a:t>] &lt;</a:t>
+            </a:r>
+            <a:r>
+              <a:rPr lang="ru-RU" dirty="0"/>
+              <a:t>тип данных</a:t>
+            </a:r>
+            <a:r>
+              <a:rPr lang="en-US" dirty="0"/>
+              <a:t>&gt; variable1; </a:t>
+            </a:r>
+            <a:endParaRPr lang="ru-RU" dirty="0"/>
+          </a:p>
+          <a:p>
+            <a:pPr>
+              <a:buNone/>
+            </a:pPr>
+            <a:r>
+              <a:rPr lang="ru-RU" dirty="0"/>
+              <a:t>	</a:t>
+            </a:r>
+            <a:r>
+              <a:rPr lang="en-US" dirty="0"/>
+              <a:t>... </a:t>
+            </a:r>
+            <a:endParaRPr lang="ru-RU" dirty="0"/>
+          </a:p>
+          <a:p>
+            <a:pPr>
+              <a:buNone/>
+            </a:pPr>
+            <a:r>
+              <a:rPr lang="ru-RU" dirty="0"/>
+              <a:t>	</a:t>
+            </a:r>
+            <a:r>
+              <a:rPr lang="en-US" dirty="0"/>
+              <a:t>[</a:t>
+            </a:r>
+            <a:r>
+              <a:rPr lang="ru-RU" dirty="0"/>
+              <a:t>мод. доступа</a:t>
+            </a:r>
+            <a:r>
+              <a:rPr lang="en-US" dirty="0"/>
+              <a:t>] &lt;</a:t>
+            </a:r>
+            <a:r>
+              <a:rPr lang="ru-RU" dirty="0"/>
+              <a:t>тип данных</a:t>
+            </a:r>
+            <a:r>
+              <a:rPr lang="en-US" dirty="0"/>
+              <a:t>&gt; </a:t>
+            </a:r>
+            <a:r>
+              <a:rPr lang="en-US" dirty="0" err="1"/>
+              <a:t>variableN</a:t>
+            </a:r>
+            <a:r>
+              <a:rPr lang="en-US" dirty="0"/>
+              <a:t>; </a:t>
+            </a:r>
+            <a:endParaRPr lang="ru-RU" dirty="0"/>
+          </a:p>
+          <a:p>
+            <a:pPr>
+              <a:buNone/>
+            </a:pPr>
+            <a:r>
+              <a:rPr lang="ru-RU" dirty="0"/>
+              <a:t>     </a:t>
+            </a:r>
+            <a:r>
+              <a:rPr lang="en-US" dirty="0"/>
+              <a:t>// </a:t>
+            </a:r>
+            <a:r>
+              <a:rPr lang="ru-RU" dirty="0"/>
+              <a:t>методы:</a:t>
+            </a:r>
+          </a:p>
+          <a:p>
+            <a:pPr>
+              <a:buNone/>
+            </a:pPr>
+            <a:r>
+              <a:rPr lang="ru-RU" dirty="0"/>
+              <a:t>	</a:t>
+            </a:r>
+            <a:r>
+              <a:rPr lang="en-US" dirty="0"/>
+              <a:t>[</a:t>
+            </a:r>
+            <a:r>
+              <a:rPr lang="ru-RU" dirty="0"/>
+              <a:t>мод. доступа</a:t>
+            </a:r>
+            <a:r>
+              <a:rPr lang="en-US" dirty="0"/>
+              <a:t>] &lt;return type&gt; Method1([</a:t>
+            </a:r>
+            <a:r>
+              <a:rPr lang="en-US" dirty="0" err="1"/>
+              <a:t>parameter_list</a:t>
+            </a:r>
+            <a:r>
+              <a:rPr lang="en-US" dirty="0"/>
+              <a:t>]) </a:t>
+            </a:r>
+            <a:endParaRPr lang="ru-RU" dirty="0"/>
+          </a:p>
+          <a:p>
+            <a:pPr>
+              <a:buNone/>
+            </a:pPr>
+            <a:r>
+              <a:rPr lang="ru-RU" dirty="0"/>
+              <a:t>	</a:t>
+            </a:r>
+            <a:r>
+              <a:rPr lang="en-US" dirty="0"/>
+              <a:t>{ </a:t>
+            </a:r>
+            <a:endParaRPr lang="ru-RU" dirty="0"/>
+          </a:p>
+          <a:p>
+            <a:pPr>
+              <a:buNone/>
+            </a:pPr>
+            <a:r>
+              <a:rPr lang="ru-RU" dirty="0"/>
+              <a:t>		</a:t>
+            </a:r>
+            <a:r>
+              <a:rPr lang="en-US" dirty="0"/>
               <a:t>//</a:t>
             </a:r>
             <a:r>
-              <a:rPr lang="ru-RU" sz="3400" dirty="0" smtClean="0"/>
-              <a:t>класс «треугольник»</a:t>
-            </a:r>
-            <a:endParaRPr lang="en-US" sz="3400" dirty="0" smtClean="0"/>
-          </a:p>
-          <a:p>
-            <a:pPr marL="514350" indent="-514350">
-              <a:buFont typeface="+mj-lt"/>
-              <a:buAutoNum type="arabicPeriod"/>
-            </a:pPr>
-            <a:r>
-              <a:rPr lang="en-US" sz="3400" dirty="0" smtClean="0"/>
-              <a:t>{</a:t>
-            </a:r>
-          </a:p>
-          <a:p>
-            <a:pPr marL="514350" indent="-514350">
-              <a:buFont typeface="+mj-lt"/>
-              <a:buAutoNum type="arabicPeriod"/>
-            </a:pPr>
-            <a:r>
-              <a:rPr lang="ru-RU" sz="3400" dirty="0" smtClean="0"/>
+              <a:rPr lang="ru-RU" dirty="0"/>
+              <a:t>тело метода</a:t>
+            </a:r>
+            <a:r>
+              <a:rPr lang="en-US" dirty="0"/>
+              <a:t> </a:t>
+            </a:r>
+            <a:endParaRPr lang="ru-RU" dirty="0"/>
+          </a:p>
+          <a:p>
+            <a:pPr>
+              <a:buNone/>
+            </a:pPr>
+            <a:r>
+              <a:rPr lang="ru-RU" dirty="0"/>
               <a:t>	</a:t>
             </a:r>
             <a:r>
-              <a:rPr lang="en-US" sz="3400" dirty="0" err="1" smtClean="0"/>
-              <a:t>int</a:t>
-            </a:r>
-            <a:r>
-              <a:rPr lang="en-US" sz="3400" dirty="0" smtClean="0"/>
-              <a:t>  </a:t>
-            </a:r>
-            <a:r>
-              <a:rPr lang="ru-RU" sz="3400" dirty="0" smtClean="0"/>
-              <a:t>_</a:t>
-            </a:r>
-            <a:r>
-              <a:rPr lang="en-US" sz="3400" dirty="0" smtClean="0"/>
-              <a:t>a, _b, _c;	//</a:t>
-            </a:r>
-            <a:r>
-              <a:rPr lang="ru-RU" sz="3400" dirty="0" smtClean="0"/>
-              <a:t>стороны треугольника</a:t>
-            </a:r>
-            <a:endParaRPr lang="en-US" sz="3400" dirty="0" smtClean="0"/>
-          </a:p>
-          <a:p>
-            <a:pPr marL="514350" indent="-514350">
-              <a:buFont typeface="+mj-lt"/>
-              <a:buAutoNum type="arabicPeriod"/>
-            </a:pPr>
-            <a:r>
-              <a:rPr lang="en-US" sz="3400" dirty="0" smtClean="0"/>
-              <a:t>	public  </a:t>
-            </a:r>
-            <a:r>
-              <a:rPr lang="en-US" sz="3400" dirty="0" err="1" smtClean="0"/>
-              <a:t>bool</a:t>
-            </a:r>
-            <a:r>
-              <a:rPr lang="en-US" sz="3400" dirty="0" smtClean="0"/>
-              <a:t> </a:t>
-            </a:r>
-            <a:r>
-              <a:rPr lang="ru-RU" sz="3400" dirty="0" smtClean="0"/>
-              <a:t> </a:t>
-            </a:r>
-            <a:r>
-              <a:rPr lang="en-US" sz="3400" dirty="0" err="1" smtClean="0"/>
-              <a:t>IsValid</a:t>
-            </a:r>
-            <a:r>
-              <a:rPr lang="en-US" sz="3400" dirty="0" smtClean="0"/>
-              <a:t> ()	//</a:t>
-            </a:r>
-            <a:r>
-              <a:rPr lang="ru-RU" sz="3400" dirty="0" smtClean="0"/>
-              <a:t>стороны имеют допустимую длину?</a:t>
-            </a:r>
-            <a:endParaRPr lang="en-US" sz="3400" dirty="0" smtClean="0"/>
-          </a:p>
-          <a:p>
-            <a:pPr marL="514350" indent="-514350">
-              <a:buFont typeface="+mj-lt"/>
-              <a:buAutoNum type="arabicPeriod"/>
-            </a:pPr>
-            <a:r>
-              <a:rPr lang="en-US" sz="3400" dirty="0" smtClean="0"/>
-              <a:t>	{</a:t>
-            </a:r>
-            <a:endParaRPr lang="ru-RU" sz="3400" dirty="0" smtClean="0"/>
-          </a:p>
-          <a:p>
-            <a:pPr marL="514350" indent="-514350">
-              <a:buFont typeface="+mj-lt"/>
-              <a:buAutoNum type="arabicPeriod"/>
-            </a:pPr>
-            <a:r>
-              <a:rPr lang="ru-RU" sz="3400" dirty="0" smtClean="0"/>
-              <a:t>                   </a:t>
-            </a:r>
-            <a:r>
-              <a:rPr lang="en-US" sz="3400" dirty="0" err="1" smtClean="0"/>
-              <a:t>int</a:t>
-            </a:r>
-            <a:r>
-              <a:rPr lang="en-US" sz="3400" dirty="0" smtClean="0"/>
-              <a:t> result = 0.5;</a:t>
-            </a:r>
-          </a:p>
-          <a:p>
-            <a:pPr marL="514350" indent="-514350">
-              <a:buFont typeface="+mj-lt"/>
-              <a:buAutoNum type="arabicPeriod"/>
-            </a:pPr>
-            <a:r>
-              <a:rPr lang="ru-RU" sz="3400" dirty="0" smtClean="0"/>
-              <a:t>		</a:t>
-            </a:r>
-            <a:r>
-              <a:rPr lang="en-US" sz="3400" dirty="0" smtClean="0"/>
-              <a:t>if( _a + _b &lt;= _c || b + c &lt;= a || _a + _c &lt;= _b )</a:t>
-            </a:r>
-          </a:p>
-          <a:p>
-            <a:pPr marL="514350" indent="-514350">
-              <a:buFont typeface="+mj-lt"/>
-              <a:buAutoNum type="arabicPeriod"/>
-            </a:pPr>
-            <a:r>
-              <a:rPr lang="en-US" sz="3400" dirty="0" smtClean="0"/>
-              <a:t>			return 1;</a:t>
-            </a:r>
-          </a:p>
-          <a:p>
-            <a:pPr marL="514350" indent="-514350">
-              <a:buFont typeface="+mj-lt"/>
-              <a:buAutoNum type="arabicPeriod"/>
-            </a:pPr>
-            <a:r>
-              <a:rPr lang="en-US" sz="3400" dirty="0" smtClean="0"/>
-              <a:t>		return false;</a:t>
-            </a:r>
-          </a:p>
-          <a:p>
-            <a:pPr marL="514350" indent="-514350">
-              <a:buFont typeface="+mj-lt"/>
-              <a:buAutoNum type="arabicPeriod"/>
-            </a:pPr>
-            <a:r>
-              <a:rPr lang="en-US" sz="3400" dirty="0" smtClean="0"/>
-              <a:t>	}</a:t>
-            </a:r>
-          </a:p>
-          <a:p>
-            <a:pPr marL="514350" indent="-514350">
-              <a:buFont typeface="+mj-lt"/>
-              <a:buAutoNum type="arabicPeriod"/>
-            </a:pPr>
-            <a:r>
-              <a:rPr lang="en-US" sz="3400" dirty="0" smtClean="0"/>
-              <a:t>	</a:t>
-            </a:r>
-            <a:r>
-              <a:rPr lang="en-US" sz="3400" dirty="0" err="1" smtClean="0"/>
-              <a:t>int</a:t>
-            </a:r>
-            <a:r>
-              <a:rPr lang="en-US" sz="3400" dirty="0" smtClean="0"/>
-              <a:t> </a:t>
-            </a:r>
-            <a:r>
-              <a:rPr lang="en-US" sz="3400" dirty="0" err="1" smtClean="0"/>
-              <a:t>GetPerimeter</a:t>
-            </a:r>
-            <a:r>
-              <a:rPr lang="en-US" sz="3400" dirty="0" smtClean="0"/>
-              <a:t>()	//</a:t>
-            </a:r>
-            <a:r>
-              <a:rPr lang="ru-RU" sz="3400" dirty="0" smtClean="0"/>
-              <a:t>расчет периметра</a:t>
-            </a:r>
-            <a:endParaRPr lang="en-US" sz="3400" dirty="0" smtClean="0"/>
-          </a:p>
-          <a:p>
-            <a:pPr marL="514350" indent="-514350">
-              <a:buFont typeface="+mj-lt"/>
-              <a:buAutoNum type="arabicPeriod"/>
-            </a:pPr>
-            <a:r>
-              <a:rPr lang="en-US" sz="3400" dirty="0" smtClean="0"/>
-              <a:t>	{</a:t>
-            </a:r>
-          </a:p>
-          <a:p>
-            <a:pPr marL="514350" indent="-514350">
-              <a:buFont typeface="+mj-lt"/>
-              <a:buAutoNum type="arabicPeriod"/>
-            </a:pPr>
-            <a:r>
-              <a:rPr lang="en-US" sz="3400" dirty="0" smtClean="0"/>
-              <a:t>		</a:t>
-            </a:r>
-            <a:r>
-              <a:rPr lang="en-US" sz="3400" dirty="0" err="1" smtClean="0"/>
-              <a:t>int</a:t>
-            </a:r>
-            <a:r>
-              <a:rPr lang="en-US" sz="3400" dirty="0" smtClean="0"/>
-              <a:t> result = _a + _b + _c;</a:t>
-            </a:r>
-          </a:p>
-          <a:p>
-            <a:pPr marL="514350" indent="-514350">
-              <a:buFont typeface="+mj-lt"/>
-              <a:buAutoNum type="arabicPeriod"/>
-            </a:pPr>
-            <a:r>
-              <a:rPr lang="en-US" sz="3400" dirty="0" smtClean="0"/>
-              <a:t>	}</a:t>
-            </a:r>
-          </a:p>
-          <a:p>
-            <a:pPr marL="514350" indent="-514350">
-              <a:buFont typeface="+mj-lt"/>
-              <a:buAutoNum type="arabicPeriod"/>
-            </a:pPr>
-            <a:r>
-              <a:rPr lang="en-US" sz="3400" dirty="0"/>
-              <a:t> </a:t>
-            </a:r>
-            <a:r>
-              <a:rPr lang="en-US" sz="3400" dirty="0" smtClean="0"/>
-              <a:t>     string    </a:t>
-            </a:r>
-            <a:r>
-              <a:rPr lang="en-US" sz="3400" dirty="0" err="1" smtClean="0"/>
-              <a:t>GetName</a:t>
-            </a:r>
-            <a:r>
-              <a:rPr lang="en-US" sz="3400" dirty="0" smtClean="0"/>
-              <a:t>()</a:t>
-            </a:r>
-          </a:p>
-          <a:p>
-            <a:pPr marL="514350" indent="-514350">
-              <a:buFont typeface="+mj-lt"/>
-              <a:buAutoNum type="arabicPeriod"/>
-            </a:pPr>
-            <a:r>
-              <a:rPr lang="en-US" sz="3400" dirty="0"/>
-              <a:t> </a:t>
-            </a:r>
-            <a:r>
-              <a:rPr lang="en-US" sz="3400" dirty="0" smtClean="0"/>
-              <a:t>     {  </a:t>
-            </a:r>
-            <a:r>
-              <a:rPr lang="ru-RU" sz="3400" dirty="0" smtClean="0"/>
-              <a:t> </a:t>
-            </a:r>
-            <a:r>
-              <a:rPr lang="en-US" sz="3400" dirty="0" smtClean="0"/>
-              <a:t>return “</a:t>
-            </a:r>
-            <a:r>
-              <a:rPr lang="ru-RU" sz="3400" dirty="0" smtClean="0"/>
-              <a:t>Треугольник</a:t>
-            </a:r>
-            <a:r>
-              <a:rPr lang="en-US" sz="3400" dirty="0" smtClean="0"/>
-              <a:t>” </a:t>
-            </a:r>
-            <a:r>
-              <a:rPr lang="ru-RU" sz="3400" dirty="0" smtClean="0"/>
-              <a:t> </a:t>
-            </a:r>
-            <a:r>
-              <a:rPr lang="en-US" sz="3400" dirty="0" smtClean="0"/>
-              <a:t> }</a:t>
-            </a:r>
-            <a:endParaRPr lang="ru-RU" sz="2600" dirty="0" smtClean="0"/>
-          </a:p>
-          <a:p>
-            <a:pPr marL="514350" indent="-514350">
-              <a:buFont typeface="+mj-lt"/>
-              <a:buAutoNum type="arabicPeriod"/>
-            </a:pPr>
-            <a:r>
-              <a:rPr lang="en-US" sz="3400" dirty="0" smtClean="0"/>
+              <a:rPr lang="en-US" dirty="0"/>
+              <a:t>} </a:t>
+            </a:r>
+            <a:endParaRPr lang="ru-RU" dirty="0"/>
+          </a:p>
+          <a:p>
+            <a:pPr>
+              <a:buNone/>
+            </a:pPr>
+            <a:r>
+              <a:rPr lang="en-US" dirty="0"/>
               <a:t>}</a:t>
             </a:r>
-            <a:endParaRPr lang="ru-RU" sz="3400" dirty="0"/>
+          </a:p>
+          <a:p>
+            <a:pPr>
+              <a:buNone/>
+            </a:pPr>
+            <a:endParaRPr lang="ru-RU" dirty="0"/>
+          </a:p>
+          <a:p>
+            <a:pPr>
+              <a:buNone/>
+            </a:pPr>
+            <a:endParaRPr lang="ru-RU" dirty="0"/>
           </a:p>
         </p:txBody>
       </p:sp>
@@ -5161,7 +5175,7 @@
           <a:bodyPr/>
           <a:lstStyle/>
           <a:p>
-            <a:fld id="{9CF8D2C4-42E0-4E06-B36C-6CBFE116E881}" type="slidenum">
+            <a:fld id="{194E9D9E-8475-4C3D-B07C-FDD1702DB06B}" type="slidenum">
               <a:rPr lang="ru-RU" smtClean="0"/>
               <a:pPr/>
               <a:t>15</a:t>
@@ -5175,13 +5189,6 @@
   <p:clrMapOvr>
     <a:masterClrMapping/>
   </p:clrMapOvr>
-  <p:timing>
-    <p:tnLst>
-      <p:par>
-        <p:cTn id="1" dur="indefinite" restart="never" nodeType="tmRoot"/>
-      </p:par>
-    </p:tnLst>
-  </p:timing>
 </p:sld>
 </file>
 
@@ -5214,377 +5221,6 @@
         </p:nvSpPr>
         <p:spPr>
           <a:xfrm>
-            <a:off x="0" y="0"/>
-            <a:ext cx="9144000" cy="1052736"/>
-          </a:xfrm>
-        </p:spPr>
-        <p:txBody>
-          <a:bodyPr>
-            <a:normAutofit fontScale="90000"/>
-          </a:bodyPr>
-          <a:lstStyle/>
-          <a:p>
-            <a:r>
-              <a:rPr lang="ru-RU" altLang="ru-RU" dirty="0" smtClean="0"/>
-              <a:t>Определение </a:t>
-            </a:r>
-            <a:r>
-              <a:rPr lang="ru-RU" altLang="ru-RU" dirty="0" smtClean="0"/>
-              <a:t>класса</a:t>
-            </a:r>
-            <a:r>
-              <a:rPr lang="en-US" altLang="ru-RU" dirty="0" smtClean="0"/>
-              <a:t> </a:t>
-            </a:r>
-            <a:r>
-              <a:rPr lang="ru-RU" altLang="ru-RU" dirty="0" smtClean="0"/>
-              <a:t>с учетом переменных и методов</a:t>
-            </a:r>
-            <a:endParaRPr lang="ru-RU" dirty="0"/>
-          </a:p>
-        </p:txBody>
-      </p:sp>
-      <p:sp>
-        <p:nvSpPr>
-          <p:cNvPr id="3" name="Содержимое 2"/>
-          <p:cNvSpPr>
-            <a:spLocks noGrp="1"/>
-          </p:cNvSpPr>
-          <p:nvPr>
-            <p:ph idx="1"/>
-          </p:nvPr>
-        </p:nvSpPr>
-        <p:spPr>
-          <a:xfrm>
-            <a:off x="395536" y="1196752"/>
-            <a:ext cx="8496944" cy="5661248"/>
-          </a:xfrm>
-        </p:spPr>
-        <p:txBody>
-          <a:bodyPr>
-            <a:normAutofit fontScale="85000" lnSpcReduction="10000"/>
-          </a:bodyPr>
-          <a:lstStyle/>
-          <a:p>
-            <a:pPr>
-              <a:buNone/>
-            </a:pPr>
-            <a:r>
-              <a:rPr lang="en-US" dirty="0" smtClean="0"/>
-              <a:t>[</a:t>
-            </a:r>
-            <a:r>
-              <a:rPr lang="ru-RU" dirty="0" smtClean="0"/>
-              <a:t>мод. доступа</a:t>
-            </a:r>
-            <a:r>
-              <a:rPr lang="en-US" dirty="0" smtClean="0"/>
-              <a:t>] class </a:t>
-            </a:r>
-            <a:r>
-              <a:rPr lang="en-US" dirty="0" err="1" smtClean="0"/>
-              <a:t>ClassName</a:t>
-            </a:r>
-            <a:r>
-              <a:rPr lang="en-US" dirty="0" smtClean="0"/>
-              <a:t> </a:t>
-            </a:r>
-            <a:endParaRPr lang="ru-RU" dirty="0" smtClean="0"/>
-          </a:p>
-          <a:p>
-            <a:pPr>
-              <a:buNone/>
-            </a:pPr>
-            <a:r>
-              <a:rPr lang="en-US" dirty="0" smtClean="0"/>
-              <a:t>{ </a:t>
-            </a:r>
-            <a:endParaRPr lang="ru-RU" dirty="0" smtClean="0"/>
-          </a:p>
-          <a:p>
-            <a:pPr>
-              <a:buNone/>
-            </a:pPr>
-            <a:r>
-              <a:rPr lang="ru-RU" dirty="0" smtClean="0"/>
-              <a:t>	</a:t>
-            </a:r>
-            <a:r>
-              <a:rPr lang="en-US" dirty="0" smtClean="0"/>
-              <a:t>// </a:t>
-            </a:r>
-            <a:r>
-              <a:rPr lang="ru-RU" dirty="0" smtClean="0"/>
-              <a:t>переменные:</a:t>
-            </a:r>
-          </a:p>
-          <a:p>
-            <a:pPr>
-              <a:buNone/>
-            </a:pPr>
-            <a:r>
-              <a:rPr lang="en-US" dirty="0" smtClean="0"/>
-              <a:t> </a:t>
-            </a:r>
-            <a:r>
-              <a:rPr lang="ru-RU" dirty="0" smtClean="0"/>
-              <a:t>	</a:t>
-            </a:r>
-            <a:r>
-              <a:rPr lang="en-US" dirty="0" smtClean="0"/>
-              <a:t>[</a:t>
-            </a:r>
-            <a:r>
-              <a:rPr lang="ru-RU" dirty="0" smtClean="0"/>
-              <a:t>мод. доступа</a:t>
-            </a:r>
-            <a:r>
-              <a:rPr lang="en-US" dirty="0" smtClean="0"/>
-              <a:t>] &lt;</a:t>
-            </a:r>
-            <a:r>
-              <a:rPr lang="ru-RU" dirty="0" smtClean="0"/>
-              <a:t>тип данных</a:t>
-            </a:r>
-            <a:r>
-              <a:rPr lang="en-US" dirty="0" smtClean="0"/>
-              <a:t>&gt; variable1; </a:t>
-            </a:r>
-            <a:endParaRPr lang="ru-RU" dirty="0" smtClean="0"/>
-          </a:p>
-          <a:p>
-            <a:pPr>
-              <a:buNone/>
-            </a:pPr>
-            <a:r>
-              <a:rPr lang="ru-RU" dirty="0" smtClean="0"/>
-              <a:t>	</a:t>
-            </a:r>
-            <a:r>
-              <a:rPr lang="en-US" dirty="0" smtClean="0"/>
-              <a:t>... </a:t>
-            </a:r>
-            <a:endParaRPr lang="ru-RU" dirty="0" smtClean="0"/>
-          </a:p>
-          <a:p>
-            <a:pPr>
-              <a:buNone/>
-            </a:pPr>
-            <a:r>
-              <a:rPr lang="ru-RU" dirty="0" smtClean="0"/>
-              <a:t>	</a:t>
-            </a:r>
-            <a:r>
-              <a:rPr lang="en-US" dirty="0" smtClean="0"/>
-              <a:t>[</a:t>
-            </a:r>
-            <a:r>
-              <a:rPr lang="ru-RU" dirty="0" smtClean="0"/>
-              <a:t>мод. доступа</a:t>
-            </a:r>
-            <a:r>
-              <a:rPr lang="en-US" dirty="0" smtClean="0"/>
-              <a:t>] &lt;</a:t>
-            </a:r>
-            <a:r>
-              <a:rPr lang="ru-RU" dirty="0" smtClean="0"/>
-              <a:t>тип данных</a:t>
-            </a:r>
-            <a:r>
-              <a:rPr lang="en-US" dirty="0" smtClean="0"/>
-              <a:t>&gt; </a:t>
-            </a:r>
-            <a:r>
-              <a:rPr lang="en-US" dirty="0" err="1" smtClean="0"/>
-              <a:t>variableN</a:t>
-            </a:r>
-            <a:r>
-              <a:rPr lang="en-US" dirty="0" smtClean="0"/>
-              <a:t>; </a:t>
-            </a:r>
-            <a:endParaRPr lang="ru-RU" dirty="0" smtClean="0"/>
-          </a:p>
-          <a:p>
-            <a:pPr>
-              <a:buNone/>
-            </a:pPr>
-            <a:r>
-              <a:rPr lang="ru-RU" dirty="0" smtClean="0"/>
-              <a:t>     </a:t>
-            </a:r>
-            <a:r>
-              <a:rPr lang="en-US" dirty="0" smtClean="0"/>
-              <a:t>// </a:t>
-            </a:r>
-            <a:r>
-              <a:rPr lang="ru-RU" dirty="0" smtClean="0"/>
-              <a:t>методы:</a:t>
-            </a:r>
-          </a:p>
-          <a:p>
-            <a:pPr>
-              <a:buNone/>
-            </a:pPr>
-            <a:r>
-              <a:rPr lang="ru-RU" dirty="0" smtClean="0"/>
-              <a:t>	</a:t>
-            </a:r>
-            <a:r>
-              <a:rPr lang="en-US" dirty="0" smtClean="0"/>
-              <a:t>[</a:t>
-            </a:r>
-            <a:r>
-              <a:rPr lang="ru-RU" dirty="0" smtClean="0"/>
-              <a:t>мод. доступа</a:t>
-            </a:r>
-            <a:r>
-              <a:rPr lang="en-US" dirty="0" smtClean="0"/>
-              <a:t>] &lt;return type&gt; Method1([</a:t>
-            </a:r>
-            <a:r>
-              <a:rPr lang="en-US" dirty="0" err="1" smtClean="0"/>
-              <a:t>parameter_list</a:t>
-            </a:r>
-            <a:r>
-              <a:rPr lang="en-US" dirty="0" smtClean="0"/>
-              <a:t>]) </a:t>
-            </a:r>
-            <a:endParaRPr lang="ru-RU" dirty="0" smtClean="0"/>
-          </a:p>
-          <a:p>
-            <a:pPr>
-              <a:buNone/>
-            </a:pPr>
-            <a:r>
-              <a:rPr lang="ru-RU" dirty="0" smtClean="0"/>
-              <a:t>	</a:t>
-            </a:r>
-            <a:r>
-              <a:rPr lang="en-US" dirty="0" smtClean="0"/>
-              <a:t>{ </a:t>
-            </a:r>
-            <a:endParaRPr lang="ru-RU" dirty="0" smtClean="0"/>
-          </a:p>
-          <a:p>
-            <a:pPr>
-              <a:buNone/>
-            </a:pPr>
-            <a:r>
-              <a:rPr lang="ru-RU" dirty="0" smtClean="0"/>
-              <a:t>		</a:t>
-            </a:r>
-            <a:r>
-              <a:rPr lang="en-US" dirty="0" smtClean="0"/>
-              <a:t>//</a:t>
-            </a:r>
-            <a:r>
-              <a:rPr lang="ru-RU" dirty="0" smtClean="0"/>
-              <a:t>тело метода</a:t>
-            </a:r>
-            <a:r>
-              <a:rPr lang="en-US" dirty="0" smtClean="0"/>
-              <a:t> </a:t>
-            </a:r>
-            <a:endParaRPr lang="ru-RU" dirty="0" smtClean="0"/>
-          </a:p>
-          <a:p>
-            <a:pPr>
-              <a:buNone/>
-            </a:pPr>
-            <a:r>
-              <a:rPr lang="ru-RU" dirty="0" smtClean="0"/>
-              <a:t>	</a:t>
-            </a:r>
-            <a:r>
-              <a:rPr lang="en-US" dirty="0" smtClean="0"/>
-              <a:t>} </a:t>
-            </a:r>
-            <a:endParaRPr lang="ru-RU" dirty="0" smtClean="0"/>
-          </a:p>
-          <a:p>
-            <a:pPr>
-              <a:buNone/>
-            </a:pPr>
-            <a:r>
-              <a:rPr lang="en-US" dirty="0" smtClean="0"/>
-              <a:t>}</a:t>
-            </a:r>
-          </a:p>
-          <a:p>
-            <a:pPr>
-              <a:buNone/>
-            </a:pPr>
-            <a:endParaRPr lang="ru-RU" dirty="0" smtClean="0"/>
-          </a:p>
-          <a:p>
-            <a:pPr>
-              <a:buNone/>
-            </a:pPr>
-            <a:endParaRPr lang="ru-RU" dirty="0"/>
-          </a:p>
-        </p:txBody>
-      </p:sp>
-      <p:sp>
-        <p:nvSpPr>
-          <p:cNvPr id="4" name="Номер слайда 3"/>
-          <p:cNvSpPr>
-            <a:spLocks noGrp="1"/>
-          </p:cNvSpPr>
-          <p:nvPr>
-            <p:ph type="sldNum" sz="quarter" idx="12"/>
-          </p:nvPr>
-        </p:nvSpPr>
-        <p:spPr/>
-        <p:txBody>
-          <a:bodyPr/>
-          <a:lstStyle/>
-          <a:p>
-            <a:fld id="{194E9D9E-8475-4C3D-B07C-FDD1702DB06B}" type="slidenum">
-              <a:rPr lang="ru-RU" smtClean="0"/>
-              <a:pPr/>
-              <a:t>16</a:t>
-            </a:fld>
-            <a:endParaRPr lang="ru-RU"/>
-          </a:p>
-        </p:txBody>
-      </p:sp>
-    </p:spTree>
-  </p:cSld>
-  <p:clrMapOvr>
-    <a:masterClrMapping/>
-  </p:clrMapOvr>
-</p:sld>
-</file>
-
-<file path=ppt/slides/slide17.xml><?xml version="1.0" encoding="utf-8"?>
-<p:sld xmlns:a="http://schemas.openxmlformats.org/drawingml/2006/main" xmlns:r="http://schemas.openxmlformats.org/officeDocument/2006/relationships" xmlns:p="http://schemas.openxmlformats.org/presentationml/2006/main">
-  <p:cSld>
-    <p:spTree>
-      <p:nvGrpSpPr>
-        <p:cNvPr id="1" name=""/>
-        <p:cNvGrpSpPr/>
-        <p:nvPr/>
-      </p:nvGrpSpPr>
-      <p:grpSpPr>
-        <a:xfrm>
-          <a:off x="0" y="0"/>
-          <a:ext cx="0" cy="0"/>
-          <a:chOff x="0" y="0"/>
-          <a:chExt cx="0" cy="0"/>
-        </a:xfrm>
-      </p:grpSpPr>
-      <p:sp>
-        <p:nvSpPr>
-          <p:cNvPr id="2" name="Заголовок 1"/>
-          <p:cNvSpPr>
-            <a:spLocks noGrp="1"/>
-          </p:cNvSpPr>
-          <p:nvPr>
-            <p:ph type="title"/>
-          </p:nvPr>
-        </p:nvSpPr>
-        <p:spPr>
-          <a:xfrm>
             <a:off x="0" y="274638"/>
             <a:ext cx="9144000" cy="1143000"/>
           </a:xfrm>
@@ -5596,10 +5232,9 @@
           <a:lstStyle/>
           <a:p>
             <a:r>
-              <a:rPr lang="ru-RU" dirty="0" smtClean="0"/>
+              <a:rPr lang="ru-RU" dirty="0"/>
               <a:t>Принципы объектно-ориентированного программирования (ООП)</a:t>
             </a:r>
-            <a:endParaRPr lang="ru-RU" dirty="0"/>
           </a:p>
         </p:txBody>
       </p:sp>
@@ -5635,11 +5270,11 @@
               <a:defRPr/>
             </a:pPr>
             <a:r>
-              <a:rPr lang="ru-RU" b="1" i="1" u="sng" dirty="0" smtClean="0"/>
+              <a:rPr lang="ru-RU" b="1" i="1" u="sng" dirty="0"/>
               <a:t>Инкапсуляция</a:t>
             </a:r>
             <a:r>
-              <a:rPr lang="ru-RU" dirty="0" smtClean="0"/>
+              <a:rPr lang="ru-RU" dirty="0"/>
               <a:t> – создание класса (объединение ДЭ и ФЭ), сокрытие деталей реализации.</a:t>
             </a:r>
           </a:p>
@@ -5654,7 +5289,7 @@
               <a:defRPr/>
             </a:pPr>
             <a:r>
-              <a:rPr lang="ru-RU" dirty="0" smtClean="0"/>
+              <a:rPr lang="ru-RU" dirty="0"/>
               <a:t>Наследование</a:t>
             </a:r>
           </a:p>
@@ -5669,7 +5304,7 @@
               <a:defRPr/>
             </a:pPr>
             <a:r>
-              <a:rPr lang="ru-RU" dirty="0" smtClean="0"/>
+              <a:rPr lang="ru-RU" dirty="0"/>
               <a:t>Полиморфизм</a:t>
             </a:r>
           </a:p>
@@ -5693,7 +5328,7 @@
             <a:fld id="{194E9D9E-8475-4C3D-B07C-FDD1702DB06B}" type="slidenum">
               <a:rPr lang="ru-RU" smtClean="0"/>
               <a:pPr/>
-              <a:t>17</a:t>
+              <a:t>16</a:t>
             </a:fld>
             <a:endParaRPr lang="ru-RU"/>
           </a:p>
@@ -5740,10 +5375,9 @@
           <a:lstStyle/>
           <a:p>
             <a:r>
-              <a:rPr lang="ru-RU" dirty="0" smtClean="0"/>
+              <a:rPr lang="ru-RU" dirty="0"/>
               <a:t>Перед лабораторными:</a:t>
             </a:r>
-            <a:endParaRPr lang="ru-RU" dirty="0"/>
           </a:p>
         </p:txBody>
       </p:sp>
@@ -5763,53 +5397,49 @@
           <a:lstStyle/>
           <a:p>
             <a:r>
-              <a:rPr lang="en-US" dirty="0" err="1" smtClean="0"/>
+              <a:rPr lang="en-US" dirty="0" err="1"/>
               <a:t>ulearn.me</a:t>
             </a:r>
             <a:r>
-              <a:rPr lang="en-US" dirty="0" smtClean="0"/>
+              <a:rPr lang="en-US" dirty="0"/>
               <a:t> -&gt; </a:t>
             </a:r>
             <a:r>
-              <a:rPr lang="ru-RU" dirty="0" smtClean="0"/>
+              <a:rPr lang="ru-RU" dirty="0"/>
               <a:t>Основы программирования на примере C#. Часть 1</a:t>
             </a:r>
             <a:r>
-              <a:rPr lang="en-US" dirty="0" smtClean="0"/>
+              <a:rPr lang="en-US" dirty="0"/>
               <a:t> -&gt; </a:t>
             </a:r>
             <a:r>
-              <a:rPr lang="ru-RU" dirty="0" smtClean="0"/>
+              <a:rPr lang="ru-RU" dirty="0"/>
               <a:t>Ветвления и Циклы</a:t>
             </a:r>
           </a:p>
           <a:p>
             <a:r>
-              <a:rPr lang="en-US" dirty="0" smtClean="0"/>
+              <a:rPr lang="en-US" dirty="0"/>
               <a:t>https://metanit.com/sharp/tutorial/</a:t>
             </a:r>
             <a:r>
-              <a:rPr lang="ru-RU" dirty="0" smtClean="0"/>
+              <a:rPr lang="ru-RU" dirty="0"/>
               <a:t> </a:t>
             </a:r>
             <a:r>
-              <a:rPr lang="en-US" dirty="0" smtClean="0"/>
+              <a:rPr lang="en-US" dirty="0"/>
               <a:t> : </a:t>
             </a:r>
             <a:r>
-              <a:rPr lang="ru-RU" u="sng" dirty="0" smtClean="0"/>
+              <a:rPr lang="ru-RU" u="sng" dirty="0"/>
               <a:t>Глава 2. Основы программирования на C#</a:t>
             </a:r>
             <a:r>
-              <a:rPr lang="en-US" dirty="0" smtClean="0"/>
+              <a:rPr lang="en-US" dirty="0"/>
               <a:t>  </a:t>
             </a:r>
-            <a:r>
-              <a:rPr lang="ru-RU" dirty="0" smtClean="0"/>
-              <a:t/>
-            </a:r>
             <a:br>
-              <a:rPr lang="ru-RU" dirty="0" smtClean="0"/>
+              <a:rPr lang="ru-RU" dirty="0"/>
             </a:br>
             <a:endParaRPr lang="ru-RU" dirty="0"/>
           </a:p>
@@ -5899,7 +5529,7 @@
           <a:lstStyle/>
           <a:p>
             <a:r>
-              <a:rPr lang="ru-RU" dirty="0" smtClean="0"/>
+              <a:rPr lang="ru-RU" dirty="0"/>
               <a:t>Вопросы по прошлой лекции? (Понятие класса, определение данных класса, модификатор доступа)</a:t>
             </a:r>
           </a:p>
@@ -5975,7 +5605,7 @@
           <a:lstStyle/>
           <a:p>
             <a:r>
-              <a:rPr lang="ru-RU" smtClean="0"/>
+              <a:rPr lang="ru-RU"/>
               <a:t>Задание 1.1</a:t>
             </a:r>
             <a:endParaRPr lang="ru-RU" dirty="0"/>
@@ -6005,33 +5635,33 @@
           <a:lstStyle/>
           <a:p>
             <a:r>
-              <a:rPr lang="ru-RU" dirty="0" smtClean="0"/>
+              <a:rPr lang="ru-RU" dirty="0"/>
               <a:t>Написать классы  (без методов, только данные), реализующие следующие абстракции:</a:t>
             </a:r>
           </a:p>
           <a:p>
             <a:r>
-              <a:rPr lang="ru-RU" dirty="0" smtClean="0"/>
+              <a:rPr lang="ru-RU" dirty="0"/>
               <a:t>Преподаватель, дисциплина</a:t>
             </a:r>
           </a:p>
           <a:p>
             <a:r>
-              <a:rPr lang="ru-RU" dirty="0" smtClean="0"/>
+              <a:rPr lang="ru-RU" dirty="0"/>
               <a:t>В классе описать требуемый набор переменных (не менее 5).</a:t>
             </a:r>
           </a:p>
           <a:p>
             <a:r>
-              <a:rPr lang="ru-RU" dirty="0" smtClean="0"/>
+              <a:rPr lang="ru-RU" dirty="0"/>
               <a:t>Переменные должны отражать сущность абстракции применительно к области образования</a:t>
             </a:r>
             <a:r>
-              <a:rPr lang="en-US" dirty="0" smtClean="0"/>
+              <a:rPr lang="en-US" dirty="0"/>
               <a:t>/</a:t>
             </a:r>
             <a:r>
-              <a:rPr lang="ru-RU" dirty="0" smtClean="0"/>
+              <a:rPr lang="ru-RU" dirty="0"/>
               <a:t>университетским системам учета.</a:t>
             </a:r>
           </a:p>
@@ -6066,13 +5696,6 @@
   <p:clrMapOvr>
     <a:masterClrMapping/>
   </p:clrMapOvr>
-  <p:timing>
-    <p:tnLst>
-      <p:par>
-        <p:cTn id="1" dur="indefinite" restart="never" nodeType="tmRoot"/>
-      </p:par>
-    </p:tnLst>
-  </p:timing>
 </p:sld>
 </file>
 
@@ -6116,10 +5739,9 @@
           <a:lstStyle/>
           <a:p>
             <a:r>
-              <a:rPr lang="ru-RU" dirty="0" smtClean="0"/>
+              <a:rPr lang="ru-RU" dirty="0"/>
               <a:t>Определение действий класса. Методы класса.</a:t>
             </a:r>
-            <a:endParaRPr lang="ru-RU" dirty="0"/>
           </a:p>
         </p:txBody>
       </p:sp>
@@ -6146,43 +5768,35 @@
           <a:lstStyle/>
           <a:p>
             <a:r>
-              <a:rPr lang="ru-RU" dirty="0" smtClean="0"/>
+              <a:rPr lang="ru-RU" dirty="0"/>
               <a:t>Кроме данных классы содержат также и функции для работы с этими данными, эти функции называются методами. </a:t>
             </a:r>
           </a:p>
           <a:p>
             <a:r>
-              <a:rPr lang="ru-RU" dirty="0" smtClean="0"/>
-              <a:t>Если программа – решение какой то задачи, записанно</a:t>
-            </a:r>
-            <a:r>
-              <a:rPr lang="ru-RU" dirty="0"/>
-              <a:t>е</a:t>
-            </a:r>
-            <a:r>
-              <a:rPr lang="ru-RU" dirty="0" smtClean="0"/>
-              <a:t> на языках программирования, то метод или функция – часть этого решения, подпрограмма.</a:t>
-            </a:r>
-          </a:p>
-          <a:p>
-            <a:r>
-              <a:rPr lang="ru-RU" dirty="0" smtClean="0"/>
+              <a:rPr lang="ru-RU" dirty="0"/>
+              <a:t>Если программа – решение какой то задачи, записанное на языках программирования, то метод или функция – часть этого решения, подпрограмма.</a:t>
+            </a:r>
+          </a:p>
+          <a:p>
+            <a:r>
+              <a:rPr lang="ru-RU" dirty="0"/>
               <a:t>Грубо говоря, метод - сгруппированный набор действий</a:t>
             </a:r>
             <a:r>
-              <a:rPr lang="en-US" dirty="0" smtClean="0"/>
+              <a:rPr lang="en-US" dirty="0"/>
               <a:t>/</a:t>
             </a:r>
             <a:r>
-              <a:rPr lang="ru-RU" dirty="0" smtClean="0"/>
+              <a:rPr lang="ru-RU" dirty="0"/>
               <a:t>инструкций</a:t>
             </a:r>
             <a:r>
-              <a:rPr lang="en-US" dirty="0" smtClean="0"/>
+              <a:rPr lang="en-US" dirty="0"/>
               <a:t>/</a:t>
             </a:r>
             <a:r>
-              <a:rPr lang="ru-RU" dirty="0" smtClean="0"/>
+              <a:rPr lang="ru-RU" dirty="0"/>
               <a:t>операторов с присвоенными именем (идентификатором)</a:t>
             </a:r>
           </a:p>
@@ -6220,13 +5834,6 @@
   <p:clrMapOvr>
     <a:masterClrMapping/>
   </p:clrMapOvr>
-  <p:timing>
-    <p:tnLst>
-      <p:par>
-        <p:cTn id="1" dur="indefinite" restart="never" nodeType="tmRoot"/>
-      </p:par>
-    </p:tnLst>
-  </p:timing>
 </p:sld>
 </file>
 
@@ -6270,10 +5877,9 @@
           <a:lstStyle/>
           <a:p>
             <a:r>
-              <a:rPr lang="ru-RU" dirty="0" smtClean="0"/>
+              <a:rPr lang="ru-RU" dirty="0"/>
               <a:t>Определение действий класса. Методы класса.</a:t>
             </a:r>
-            <a:endParaRPr lang="ru-RU" dirty="0"/>
           </a:p>
         </p:txBody>
       </p:sp>
@@ -6300,15 +5906,15 @@
           <a:lstStyle/>
           <a:p>
             <a:r>
-              <a:rPr lang="ru-RU" dirty="0" smtClean="0"/>
+              <a:rPr lang="ru-RU" dirty="0"/>
               <a:t>Синтаксис объявления метода</a:t>
             </a:r>
             <a:r>
-              <a:rPr lang="en-US" dirty="0" smtClean="0"/>
+              <a:rPr lang="en-US" dirty="0"/>
               <a:t> *</a:t>
             </a:r>
             <a:r>
-              <a:rPr lang="ru-RU" dirty="0" smtClean="0"/>
+              <a:rPr lang="ru-RU" dirty="0"/>
               <a:t>:</a:t>
             </a:r>
           </a:p>
@@ -6317,146 +5923,146 @@
               <a:buNone/>
             </a:pPr>
             <a:r>
-              <a:rPr lang="en-US" dirty="0" smtClean="0"/>
+              <a:rPr lang="en-US" dirty="0"/>
               <a:t>[</a:t>
             </a:r>
             <a:r>
-              <a:rPr lang="ru-RU" dirty="0" smtClean="0"/>
+              <a:rPr lang="ru-RU" dirty="0"/>
               <a:t>мод. доступа</a:t>
             </a:r>
             <a:r>
-              <a:rPr lang="en-US" dirty="0" smtClean="0"/>
+              <a:rPr lang="en-US" dirty="0"/>
               <a:t>] return</a:t>
             </a:r>
             <a:r>
-              <a:rPr lang="ru-RU" dirty="0" smtClean="0"/>
+              <a:rPr lang="ru-RU" dirty="0"/>
               <a:t>_</a:t>
             </a:r>
             <a:r>
-              <a:rPr lang="en-US" dirty="0" smtClean="0"/>
+              <a:rPr lang="en-US" dirty="0"/>
               <a:t>type</a:t>
             </a:r>
             <a:r>
-              <a:rPr lang="ru-RU" dirty="0" smtClean="0"/>
+              <a:rPr lang="ru-RU" dirty="0"/>
               <a:t> </a:t>
             </a:r>
             <a:r>
-              <a:rPr lang="en-US" dirty="0" err="1" smtClean="0"/>
+              <a:rPr lang="en-US" dirty="0" err="1"/>
               <a:t>MethodName</a:t>
             </a:r>
             <a:r>
-              <a:rPr lang="en-US" dirty="0" smtClean="0"/>
+              <a:rPr lang="en-US" dirty="0"/>
               <a:t>(</a:t>
             </a:r>
             <a:r>
-              <a:rPr lang="ru-RU" dirty="0" smtClean="0"/>
+              <a:rPr lang="ru-RU" dirty="0"/>
               <a:t>   </a:t>
             </a:r>
             <a:r>
-              <a:rPr lang="en-US" dirty="0" smtClean="0"/>
+              <a:rPr lang="en-US" dirty="0"/>
               <a:t>[</a:t>
             </a:r>
             <a:r>
-              <a:rPr lang="en-US" dirty="0" err="1" smtClean="0"/>
+              <a:rPr lang="en-US" dirty="0" err="1"/>
               <a:t>parameter_list</a:t>
             </a:r>
             <a:r>
-              <a:rPr lang="en-US" dirty="0" smtClean="0"/>
+              <a:rPr lang="en-US" dirty="0"/>
               <a:t>]</a:t>
             </a:r>
             <a:r>
-              <a:rPr lang="ru-RU" dirty="0" smtClean="0"/>
+              <a:rPr lang="ru-RU" dirty="0"/>
               <a:t>   </a:t>
             </a:r>
             <a:r>
-              <a:rPr lang="en-US" dirty="0" smtClean="0"/>
+              <a:rPr lang="en-US" dirty="0"/>
               <a:t>) </a:t>
             </a:r>
-            <a:endParaRPr lang="ru-RU" dirty="0" smtClean="0"/>
+            <a:endParaRPr lang="ru-RU" dirty="0"/>
           </a:p>
           <a:p>
             <a:pPr>
               <a:buNone/>
             </a:pPr>
             <a:r>
-              <a:rPr lang="ru-RU" dirty="0" smtClean="0"/>
+              <a:rPr lang="ru-RU" dirty="0"/>
               <a:t>  </a:t>
             </a:r>
             <a:r>
-              <a:rPr lang="en-US" dirty="0" smtClean="0"/>
+              <a:rPr lang="en-US" dirty="0"/>
               <a:t>{ </a:t>
             </a:r>
-            <a:endParaRPr lang="ru-RU" dirty="0" smtClean="0"/>
+            <a:endParaRPr lang="ru-RU" dirty="0"/>
           </a:p>
           <a:p>
             <a:pPr>
               <a:buNone/>
             </a:pPr>
             <a:r>
-              <a:rPr lang="en-US" dirty="0" smtClean="0"/>
+              <a:rPr lang="en-US" dirty="0"/>
               <a:t>     </a:t>
             </a:r>
             <a:r>
-              <a:rPr lang="ru-RU" dirty="0" smtClean="0"/>
+              <a:rPr lang="ru-RU" dirty="0"/>
               <a:t>	</a:t>
             </a:r>
             <a:r>
-              <a:rPr lang="en-US" dirty="0" smtClean="0"/>
+              <a:rPr lang="en-US" dirty="0"/>
               <a:t>//</a:t>
             </a:r>
             <a:r>
-              <a:rPr lang="ru-RU" dirty="0" smtClean="0"/>
+              <a:rPr lang="ru-RU" dirty="0"/>
               <a:t>тело метода</a:t>
             </a:r>
             <a:r>
-              <a:rPr lang="en-US" dirty="0" smtClean="0"/>
+              <a:rPr lang="en-US" dirty="0"/>
               <a:t> </a:t>
             </a:r>
-            <a:endParaRPr lang="ru-RU" dirty="0" smtClean="0"/>
+            <a:endParaRPr lang="ru-RU" dirty="0"/>
           </a:p>
           <a:p>
             <a:pPr>
               <a:buNone/>
             </a:pPr>
             <a:r>
-              <a:rPr lang="ru-RU" dirty="0" smtClean="0"/>
+              <a:rPr lang="ru-RU" dirty="0"/>
               <a:t> </a:t>
             </a:r>
             <a:r>
-              <a:rPr lang="en-US" dirty="0" smtClean="0"/>
+              <a:rPr lang="en-US" dirty="0"/>
               <a:t> }</a:t>
             </a:r>
-            <a:endParaRPr lang="ru-RU" dirty="0" smtClean="0"/>
-          </a:p>
-          <a:p>
-            <a:r>
-              <a:rPr lang="en-US" dirty="0" smtClean="0"/>
+            <a:endParaRPr lang="ru-RU" dirty="0"/>
+          </a:p>
+          <a:p>
+            <a:r>
+              <a:rPr lang="en-US" dirty="0"/>
               <a:t>[</a:t>
             </a:r>
             <a:r>
-              <a:rPr lang="ru-RU" dirty="0" smtClean="0"/>
+              <a:rPr lang="ru-RU" dirty="0"/>
               <a:t>мод. доступа</a:t>
             </a:r>
             <a:r>
-              <a:rPr lang="en-US" dirty="0" smtClean="0"/>
+              <a:rPr lang="en-US" dirty="0"/>
               <a:t>] </a:t>
             </a:r>
             <a:r>
-              <a:rPr lang="ru-RU" dirty="0" smtClean="0"/>
+              <a:rPr lang="ru-RU" dirty="0"/>
               <a:t>задает видимость метода</a:t>
             </a:r>
           </a:p>
           <a:p>
             <a:r>
-              <a:rPr lang="ru-RU" dirty="0" smtClean="0"/>
+              <a:rPr lang="ru-RU" dirty="0"/>
               <a:t>Примеры объявлений</a:t>
             </a:r>
             <a:r>
-              <a:rPr lang="en-US" dirty="0" smtClean="0"/>
+              <a:rPr lang="en-US" dirty="0"/>
               <a:t>*</a:t>
             </a:r>
             <a:r>
-              <a:rPr lang="ru-RU" dirty="0" smtClean="0"/>
+              <a:rPr lang="ru-RU" dirty="0"/>
               <a:t>:</a:t>
             </a:r>
           </a:p>
@@ -6465,15 +6071,15 @@
               <a:buNone/>
             </a:pPr>
             <a:r>
-              <a:rPr lang="en-US" dirty="0" smtClean="0"/>
+              <a:rPr lang="en-US" dirty="0"/>
               <a:t>	private void </a:t>
             </a:r>
             <a:r>
-              <a:rPr lang="en-US" dirty="0" err="1" smtClean="0"/>
+              <a:rPr lang="en-US" dirty="0" err="1"/>
               <a:t>ShowInfo</a:t>
             </a:r>
             <a:r>
-              <a:rPr lang="en-US" dirty="0" smtClean="0"/>
+              <a:rPr lang="en-US" dirty="0"/>
               <a:t>( );</a:t>
             </a:r>
           </a:p>
@@ -6482,32 +6088,32 @@
               <a:buNone/>
             </a:pPr>
             <a:r>
-              <a:rPr lang="en-US" dirty="0" smtClean="0"/>
+              <a:rPr lang="en-US" dirty="0"/>
               <a:t>	public double </a:t>
             </a:r>
             <a:r>
-              <a:rPr lang="en-US" dirty="0" err="1" smtClean="0"/>
+              <a:rPr lang="en-US" dirty="0" err="1"/>
               <a:t>CalculateSinus</a:t>
             </a:r>
             <a:r>
-              <a:rPr lang="en-US" dirty="0" smtClean="0"/>
+              <a:rPr lang="en-US" dirty="0"/>
               <a:t>( double angle</a:t>
             </a:r>
             <a:r>
-              <a:rPr lang="ru-RU" dirty="0" smtClean="0"/>
+              <a:rPr lang="ru-RU" dirty="0"/>
               <a:t>, </a:t>
             </a:r>
             <a:r>
-              <a:rPr lang="en-US" dirty="0" smtClean="0"/>
+              <a:rPr lang="en-US" dirty="0"/>
               <a:t>double e ); </a:t>
             </a:r>
-            <a:endParaRPr lang="ru-RU" dirty="0" smtClean="0"/>
+            <a:endParaRPr lang="ru-RU" dirty="0"/>
           </a:p>
           <a:p>
             <a:pPr>
               <a:buNone/>
             </a:pPr>
-            <a:endParaRPr lang="en-US" dirty="0" smtClean="0"/>
+            <a:endParaRPr lang="en-US" dirty="0"/>
           </a:p>
           <a:p>
             <a:pPr>
@@ -6515,11 +6121,11 @@
               <a:buChar char="•"/>
             </a:pPr>
             <a:r>
-              <a:rPr lang="en-US" dirty="0" smtClean="0"/>
+              <a:rPr lang="en-US" dirty="0"/>
               <a:t>[ ] </a:t>
             </a:r>
             <a:r>
-              <a:rPr lang="ru-RU" dirty="0" smtClean="0"/>
+              <a:rPr lang="ru-RU" dirty="0"/>
               <a:t>в синтаксисе означают, что это значение может отсутствовать</a:t>
             </a:r>
           </a:p>
@@ -6528,23 +6134,23 @@
               <a:buNone/>
             </a:pPr>
             <a:r>
-              <a:rPr lang="ru-RU" dirty="0" smtClean="0"/>
+              <a:rPr lang="ru-RU" dirty="0"/>
               <a:t>	</a:t>
             </a:r>
             <a:r>
-              <a:rPr lang="en-US" dirty="0" err="1" smtClean="0"/>
+              <a:rPr lang="en-US" dirty="0" err="1"/>
               <a:t>MethodName</a:t>
             </a:r>
             <a:r>
-              <a:rPr lang="ru-RU" dirty="0" smtClean="0"/>
+              <a:rPr lang="ru-RU" dirty="0"/>
               <a:t>  </a:t>
             </a:r>
             <a:r>
-              <a:rPr lang="en-US" dirty="0" smtClean="0"/>
+              <a:rPr lang="en-US" dirty="0"/>
               <a:t>– </a:t>
             </a:r>
             <a:r>
-              <a:rPr lang="ru-RU" dirty="0" smtClean="0"/>
+              <a:rPr lang="ru-RU" dirty="0"/>
               <a:t>имя метода, правила именование те же, что для переменных.</a:t>
             </a:r>
           </a:p>
@@ -6553,14 +6159,13 @@
               <a:buNone/>
             </a:pPr>
             <a:r>
-              <a:rPr lang="en-US" dirty="0" smtClean="0"/>
+              <a:rPr lang="en-US" dirty="0"/>
               <a:t>** </a:t>
             </a:r>
             <a:r>
-              <a:rPr lang="ru-RU" dirty="0" smtClean="0"/>
+              <a:rPr lang="ru-RU" dirty="0"/>
               <a:t>методы, так же, как и данные, объявляются  внутри класса </a:t>
             </a:r>
-            <a:endParaRPr lang="ru-RU" dirty="0"/>
           </a:p>
         </p:txBody>
       </p:sp>
@@ -6634,10 +6239,9 @@
           <a:lstStyle/>
           <a:p>
             <a:r>
-              <a:rPr lang="ru-RU" dirty="0" smtClean="0"/>
+              <a:rPr lang="ru-RU" dirty="0"/>
               <a:t>Методы</a:t>
             </a:r>
-            <a:endParaRPr lang="ru-RU" dirty="0"/>
           </a:p>
         </p:txBody>
       </p:sp>
@@ -6664,98 +6268,98 @@
           <a:lstStyle/>
           <a:p>
             <a:r>
-              <a:rPr lang="en-US" dirty="0" smtClean="0"/>
+              <a:rPr lang="en-US" dirty="0"/>
               <a:t>&lt;return type&gt;</a:t>
             </a:r>
             <a:r>
-              <a:rPr lang="ru-RU" dirty="0" smtClean="0"/>
+              <a:rPr lang="ru-RU" dirty="0"/>
               <a:t> задает возвращаемое значение</a:t>
             </a:r>
-            <a:endParaRPr lang="en-US" dirty="0" smtClean="0"/>
+            <a:endParaRPr lang="en-US" dirty="0"/>
           </a:p>
           <a:p>
             <a:pPr>
               <a:buNone/>
             </a:pPr>
             <a:r>
-              <a:rPr lang="en-US" dirty="0" smtClean="0"/>
+              <a:rPr lang="en-US" dirty="0"/>
               <a:t>	</a:t>
             </a:r>
             <a:r>
-              <a:rPr lang="ru-RU" dirty="0" smtClean="0"/>
+              <a:rPr lang="ru-RU" dirty="0"/>
               <a:t>Если функция генерирует какое</a:t>
             </a:r>
             <a:r>
-              <a:rPr lang="en-US" dirty="0" smtClean="0"/>
+              <a:rPr lang="en-US" dirty="0"/>
               <a:t>-</a:t>
             </a:r>
             <a:r>
-              <a:rPr lang="ru-RU" dirty="0" smtClean="0"/>
+              <a:rPr lang="ru-RU" dirty="0"/>
               <a:t>то содержимое, какой</a:t>
             </a:r>
             <a:r>
-              <a:rPr lang="en-US" dirty="0" smtClean="0"/>
+              <a:rPr lang="en-US" dirty="0"/>
               <a:t>-</a:t>
             </a:r>
             <a:r>
-              <a:rPr lang="ru-RU" dirty="0" smtClean="0"/>
+              <a:rPr lang="ru-RU" dirty="0"/>
               <a:t>то объект,</a:t>
             </a:r>
             <a:r>
-              <a:rPr lang="en-US" dirty="0" smtClean="0"/>
+              <a:rPr lang="en-US" dirty="0"/>
               <a:t> </a:t>
             </a:r>
             <a:r>
-              <a:rPr lang="ru-RU" dirty="0" smtClean="0"/>
+              <a:rPr lang="ru-RU" dirty="0"/>
               <a:t>который </a:t>
             </a:r>
             <a:r>
-              <a:rPr lang="ru-RU" b="1" i="1" u="sng" dirty="0" smtClean="0"/>
+              <a:rPr lang="ru-RU" b="1" i="1" u="sng" dirty="0"/>
               <a:t>можно сохранить в другой переменной</a:t>
             </a:r>
             <a:r>
-              <a:rPr lang="ru-RU" dirty="0" smtClean="0"/>
+              <a:rPr lang="ru-RU" dirty="0"/>
               <a:t>, то указывается тип этого объекта, например, для мат. функций (</a:t>
             </a:r>
             <a:r>
-              <a:rPr lang="en-US" dirty="0" smtClean="0"/>
+              <a:rPr lang="en-US" dirty="0"/>
               <a:t>sin, cos, sum)</a:t>
             </a:r>
             <a:r>
-              <a:rPr lang="ru-RU" dirty="0" smtClean="0"/>
+              <a:rPr lang="ru-RU" dirty="0"/>
               <a:t> – </a:t>
             </a:r>
             <a:r>
-              <a:rPr lang="en-US" dirty="0" smtClean="0"/>
+              <a:rPr lang="en-US" dirty="0"/>
               <a:t>double, </a:t>
             </a:r>
             <a:r>
-              <a:rPr lang="ru-RU" dirty="0" smtClean="0"/>
+              <a:rPr lang="ru-RU" dirty="0"/>
               <a:t>для работы со строками – </a:t>
             </a:r>
             <a:r>
-              <a:rPr lang="en-US" dirty="0" smtClean="0"/>
+              <a:rPr lang="en-US" dirty="0"/>
               <a:t>String. </a:t>
             </a:r>
-            <a:endParaRPr lang="ru-RU" dirty="0" smtClean="0"/>
-          </a:p>
-          <a:p>
-            <a:r>
-              <a:rPr lang="ru-RU" dirty="0" smtClean="0"/>
+            <a:endParaRPr lang="ru-RU" dirty="0"/>
+          </a:p>
+          <a:p>
+            <a:r>
+              <a:rPr lang="ru-RU" dirty="0"/>
               <a:t>Кроме того, необходимо использовать оператор </a:t>
             </a:r>
             <a:r>
-              <a:rPr lang="en-US" dirty="0" smtClean="0"/>
+              <a:rPr lang="en-US" dirty="0"/>
               <a:t>return </a:t>
             </a:r>
             <a:r>
-              <a:rPr lang="ru-RU" dirty="0" smtClean="0"/>
+              <a:rPr lang="ru-RU" dirty="0"/>
               <a:t>для возврата результата вызывающей стороне. Например так:</a:t>
             </a:r>
-            <a:endParaRPr lang="en-US" dirty="0" smtClean="0"/>
-          </a:p>
-          <a:p>
-            <a:endParaRPr lang="ru-RU" dirty="0" smtClean="0"/>
+            <a:endParaRPr lang="en-US" dirty="0"/>
+          </a:p>
+          <a:p>
+            <a:endParaRPr lang="ru-RU" dirty="0"/>
           </a:p>
           <a:p>
             <a:pPr>
@@ -6763,11 +6367,7 @@
             </a:pPr>
             <a:r>
               <a:rPr lang="en-US" dirty="0"/>
-              <a:t>	</a:t>
-            </a:r>
-            <a:r>
-              <a:rPr lang="en-US" dirty="0" smtClean="0"/>
-              <a:t>return “Hello, World!”;	</a:t>
+              <a:t>	return “Hello, World!”;	</a:t>
             </a:r>
           </a:p>
           <a:p>
@@ -6776,11 +6376,7 @@
             </a:pPr>
             <a:r>
               <a:rPr lang="en-US" dirty="0"/>
-              <a:t>	</a:t>
-            </a:r>
-            <a:r>
-              <a:rPr lang="en-US" dirty="0" smtClean="0"/>
-              <a:t>return   a * b;</a:t>
+              <a:t>	return   a * b;</a:t>
             </a:r>
           </a:p>
           <a:p>
@@ -6789,13 +6385,9 @@
             </a:pPr>
             <a:r>
               <a:rPr lang="en-US" dirty="0"/>
-              <a:t>	</a:t>
-            </a:r>
-            <a:r>
-              <a:rPr lang="en-US" dirty="0" smtClean="0"/>
-              <a:t>return sum;</a:t>
-            </a:r>
-            <a:endParaRPr lang="ru-RU" dirty="0" smtClean="0"/>
+              <a:t>	return sum;</a:t>
+            </a:r>
+            <a:endParaRPr lang="ru-RU" dirty="0"/>
           </a:p>
         </p:txBody>
       </p:sp>
@@ -6864,10 +6456,9 @@
           <a:lstStyle/>
           <a:p>
             <a:r>
-              <a:rPr lang="ru-RU" dirty="0" smtClean="0"/>
+              <a:rPr lang="ru-RU" dirty="0"/>
               <a:t>Методы</a:t>
             </a:r>
-            <a:endParaRPr lang="ru-RU" dirty="0"/>
           </a:p>
         </p:txBody>
       </p:sp>
@@ -6894,27 +6485,27 @@
           <a:lstStyle/>
           <a:p>
             <a:r>
-              <a:rPr lang="ru-RU" dirty="0" smtClean="0"/>
+              <a:rPr lang="ru-RU" dirty="0"/>
               <a:t>Если функция не производит никаких новых данных, которые нужны вызывающему коду, а только обрабатывает существующий объект, работает с глобальными объектами  или изменяет другие объекты, то в качестве </a:t>
             </a:r>
             <a:r>
-              <a:rPr lang="en-US" dirty="0" smtClean="0"/>
+              <a:rPr lang="en-US" dirty="0"/>
               <a:t>return</a:t>
             </a:r>
             <a:r>
-              <a:rPr lang="ru-RU" dirty="0" smtClean="0"/>
+              <a:rPr lang="ru-RU" dirty="0"/>
               <a:t>_</a:t>
             </a:r>
             <a:r>
-              <a:rPr lang="en-US" dirty="0" smtClean="0"/>
+              <a:rPr lang="en-US" dirty="0"/>
               <a:t>type</a:t>
             </a:r>
             <a:r>
-              <a:rPr lang="ru-RU" dirty="0" smtClean="0"/>
+              <a:rPr lang="ru-RU" dirty="0"/>
               <a:t> указывается</a:t>
             </a:r>
             <a:r>
-              <a:rPr lang="en-US" dirty="0" smtClean="0"/>
+              <a:rPr lang="en-US" dirty="0"/>
               <a:t> void:</a:t>
             </a:r>
           </a:p>
@@ -6922,22 +6513,22 @@
             <a:pPr>
               <a:buNone/>
             </a:pPr>
-            <a:endParaRPr lang="en-US" dirty="0" smtClean="0"/>
+            <a:endParaRPr lang="en-US" dirty="0"/>
           </a:p>
           <a:p>
             <a:pPr>
               <a:buNone/>
             </a:pPr>
             <a:r>
-              <a:rPr lang="en-US" dirty="0" smtClean="0"/>
+              <a:rPr lang="en-US" dirty="0"/>
               <a:t>	void </a:t>
             </a:r>
             <a:r>
-              <a:rPr lang="en-US" dirty="0" err="1" smtClean="0"/>
+              <a:rPr lang="en-US" dirty="0" err="1"/>
               <a:t>SayHello</a:t>
             </a:r>
             <a:r>
-              <a:rPr lang="en-US" dirty="0" smtClean="0"/>
+              <a:rPr lang="en-US" dirty="0"/>
               <a:t>()</a:t>
             </a:r>
           </a:p>
@@ -6946,7 +6537,7 @@
               <a:buNone/>
             </a:pPr>
             <a:r>
-              <a:rPr lang="en-US" dirty="0" smtClean="0"/>
+              <a:rPr lang="en-US" dirty="0"/>
               <a:t>	{</a:t>
             </a:r>
           </a:p>
@@ -6955,15 +6546,15 @@
               <a:buNone/>
             </a:pPr>
             <a:r>
-              <a:rPr lang="en-US" dirty="0" smtClean="0"/>
+              <a:rPr lang="en-US" dirty="0"/>
               <a:t>		</a:t>
             </a:r>
             <a:r>
-              <a:rPr lang="en-US" dirty="0" err="1" smtClean="0"/>
+              <a:rPr lang="en-US" dirty="0" err="1"/>
               <a:t>Console.WriteLine</a:t>
             </a:r>
             <a:r>
-              <a:rPr lang="en-US" dirty="0" smtClean="0"/>
+              <a:rPr lang="en-US" dirty="0"/>
               <a:t>(“Hello, World!!!”);</a:t>
             </a:r>
           </a:p>
@@ -6972,7 +6563,7 @@
               <a:buNone/>
             </a:pPr>
             <a:r>
-              <a:rPr lang="en-US" dirty="0" smtClean="0"/>
+              <a:rPr lang="en-US" dirty="0"/>
               <a:t>	}</a:t>
             </a:r>
             <a:endParaRPr lang="ru-RU" dirty="0"/>
@@ -7052,10 +6643,9 @@
           <a:p>
             <a:pPr algn="l"/>
             <a:r>
-              <a:rPr lang="ru-RU" sz="3000" dirty="0" smtClean="0"/>
+              <a:rPr lang="ru-RU" sz="3000" dirty="0"/>
               <a:t>Задание 2.1 Определить тип возвращаемого значения для следующих функций и указать почему. Саму функцию писать не нужно.  (4 минуты)</a:t>
             </a:r>
-            <a:endParaRPr lang="ru-RU" sz="3000" dirty="0"/>
           </a:p>
         </p:txBody>
       </p:sp>
@@ -7086,7 +6676,7 @@
               <a:buAutoNum type="arabicPeriod"/>
             </a:pPr>
             <a:r>
-              <a:rPr lang="ru-RU" dirty="0" smtClean="0"/>
+              <a:rPr lang="ru-RU" dirty="0"/>
               <a:t>Функция, подсчитывающая возраст человека на основе текущей даты и даты рождения;</a:t>
             </a:r>
           </a:p>
@@ -7096,7 +6686,7 @@
               <a:buAutoNum type="arabicPeriod"/>
             </a:pPr>
             <a:r>
-              <a:rPr lang="ru-RU" dirty="0" smtClean="0"/>
+              <a:rPr lang="ru-RU" dirty="0"/>
               <a:t>Функция, сохраняющая в файле данные класса;</a:t>
             </a:r>
           </a:p>
@@ -7106,63 +6696,63 @@
               <a:buAutoNum type="arabicPeriod"/>
             </a:pPr>
             <a:r>
-              <a:rPr lang="ru-RU" dirty="0" smtClean="0"/>
+              <a:rPr lang="ru-RU" dirty="0"/>
               <a:t>Функция, выполняющая объединение двух строк (например, было 2 строки</a:t>
             </a:r>
             <a:r>
-              <a:rPr lang="en-US" dirty="0" smtClean="0"/>
+              <a:rPr lang="en-US" dirty="0"/>
               <a:t>:</a:t>
             </a:r>
             <a:r>
-              <a:rPr lang="ru-RU" dirty="0" smtClean="0"/>
+              <a:rPr lang="ru-RU" dirty="0"/>
               <a:t> </a:t>
             </a:r>
             <a:r>
-              <a:rPr lang="en-US" dirty="0" smtClean="0"/>
+              <a:rPr lang="en-US" dirty="0"/>
               <a:t>“</a:t>
             </a:r>
             <a:r>
-              <a:rPr lang="ru-RU" dirty="0" smtClean="0"/>
+              <a:rPr lang="ru-RU" dirty="0"/>
               <a:t>Иванов </a:t>
             </a:r>
             <a:r>
-              <a:rPr lang="en-US" dirty="0" smtClean="0"/>
+              <a:rPr lang="en-US" dirty="0"/>
               <a:t>“</a:t>
             </a:r>
             <a:r>
-              <a:rPr lang="ru-RU" dirty="0" smtClean="0"/>
+              <a:rPr lang="ru-RU" dirty="0"/>
               <a:t> и </a:t>
             </a:r>
             <a:r>
-              <a:rPr lang="en-US" dirty="0" smtClean="0"/>
+              <a:rPr lang="en-US" dirty="0"/>
               <a:t>“</a:t>
             </a:r>
             <a:r>
-              <a:rPr lang="ru-RU" dirty="0" smtClean="0"/>
+              <a:rPr lang="ru-RU" dirty="0"/>
               <a:t>хороший человек</a:t>
             </a:r>
             <a:r>
-              <a:rPr lang="en-US" dirty="0" smtClean="0"/>
+              <a:rPr lang="en-US" dirty="0"/>
               <a:t>”</a:t>
             </a:r>
             <a:r>
-              <a:rPr lang="ru-RU" dirty="0" smtClean="0"/>
+              <a:rPr lang="ru-RU" dirty="0"/>
               <a:t>, станет </a:t>
             </a:r>
             <a:r>
-              <a:rPr lang="en-US" dirty="0" smtClean="0"/>
+              <a:rPr lang="en-US" dirty="0"/>
               <a:t>“</a:t>
             </a:r>
             <a:r>
-              <a:rPr lang="ru-RU" dirty="0" smtClean="0"/>
+              <a:rPr lang="ru-RU" dirty="0"/>
               <a:t>Иванов хороший человек</a:t>
             </a:r>
             <a:r>
-              <a:rPr lang="en-US" dirty="0" smtClean="0"/>
+              <a:rPr lang="en-US" dirty="0"/>
               <a:t>”</a:t>
             </a:r>
             <a:r>
-              <a:rPr lang="ru-RU" dirty="0" smtClean="0"/>
+              <a:rPr lang="ru-RU" dirty="0"/>
               <a:t>;</a:t>
             </a:r>
           </a:p>
@@ -7172,7 +6762,7 @@
               <a:buAutoNum type="arabicPeriod"/>
             </a:pPr>
             <a:r>
-              <a:rPr lang="ru-RU" dirty="0" smtClean="0"/>
+              <a:rPr lang="ru-RU" dirty="0"/>
               <a:t>Функция, проверяющая, является ли треугольник равносторонним;</a:t>
             </a:r>
           </a:p>
@@ -7182,7 +6772,7 @@
               <a:buAutoNum type="arabicPeriod"/>
             </a:pPr>
             <a:r>
-              <a:rPr lang="ru-RU" dirty="0" smtClean="0"/>
+              <a:rPr lang="ru-RU" dirty="0"/>
               <a:t>Метод, рассчитывающий значение площади окружности.</a:t>
             </a:r>
           </a:p>
